--- a/Real-Time-CC-Fraud-Detection 1.pptx
+++ b/Real-Time-CC-Fraud-Detection 1.pptx
@@ -6,7 +6,7 @@
     <p:sldMasterId id="2147483658" r:id="rId2"/>
   </p:sldMasterIdLst>
   <p:notesMasterIdLst>
-    <p:notesMasterId r:id="rId20"/>
+    <p:notesMasterId r:id="rId24"/>
   </p:notesMasterIdLst>
   <p:sldIdLst>
     <p:sldId id="256" r:id="rId3"/>
@@ -18,26 +18,30 @@
     <p:sldId id="277" r:id="rId9"/>
     <p:sldId id="262" r:id="rId10"/>
     <p:sldId id="264" r:id="rId11"/>
-    <p:sldId id="272" r:id="rId12"/>
-    <p:sldId id="265" r:id="rId13"/>
-    <p:sldId id="273" r:id="rId14"/>
-    <p:sldId id="275" r:id="rId15"/>
-    <p:sldId id="266" r:id="rId16"/>
-    <p:sldId id="267" r:id="rId17"/>
-    <p:sldId id="276" r:id="rId18"/>
-    <p:sldId id="270" r:id="rId19"/>
+    <p:sldId id="278" r:id="rId12"/>
+    <p:sldId id="280" r:id="rId13"/>
+    <p:sldId id="281" r:id="rId14"/>
+    <p:sldId id="279" r:id="rId15"/>
+    <p:sldId id="272" r:id="rId16"/>
+    <p:sldId id="265" r:id="rId17"/>
+    <p:sldId id="273" r:id="rId18"/>
+    <p:sldId id="275" r:id="rId19"/>
+    <p:sldId id="266" r:id="rId20"/>
+    <p:sldId id="267" r:id="rId21"/>
+    <p:sldId id="276" r:id="rId22"/>
+    <p:sldId id="270" r:id="rId23"/>
   </p:sldIdLst>
   <p:sldSz cx="14630400" cy="8229600"/>
   <p:notesSz cx="8229600" cy="14630400"/>
   <p:embeddedFontLst>
     <p:embeddedFont>
       <p:font typeface="Lato" panose="020F0502020204030203" pitchFamily="34" charset="0"/>
-      <p:regular r:id="rId21"/>
-      <p:bold r:id="rId22"/>
+      <p:regular r:id="rId25"/>
+      <p:bold r:id="rId26"/>
     </p:embeddedFont>
     <p:embeddedFont>
       <p:font typeface="Lato Bold" panose="020F0502020204030203" charset="0"/>
-      <p:bold r:id="rId23"/>
+      <p:bold r:id="rId27"/>
     </p:embeddedFont>
   </p:embeddedFontLst>
   <p:defaultTextStyle>
@@ -3621,120 +3625,12 @@
           <a:chExt cx="0" cy="0"/>
         </a:xfrm>
       </p:grpSpPr>
-      <p:sp>
-        <p:nvSpPr>
-          <p:cNvPr id="2" name="TextBox 1">
+      <p:pic>
+        <p:nvPicPr>
+          <p:cNvPr id="6" name="Picture 5">
             <a:extLst>
               <a:ext uri="{FF2B5EF4-FFF2-40B4-BE49-F238E27FC236}">
-                <a16:creationId xmlns:a16="http://schemas.microsoft.com/office/drawing/2014/main" id="{9C211EB1-DEEC-EBD1-5332-6CB1C16EB15F}"/>
-              </a:ext>
-            </a:extLst>
-          </p:cNvPr>
-          <p:cNvSpPr txBox="1"/>
-          <p:nvPr/>
-        </p:nvSpPr>
-        <p:spPr>
-          <a:xfrm>
-            <a:off x="589935" y="619432"/>
-            <a:ext cx="1943161" cy="369332"/>
-          </a:xfrm>
-          <a:prstGeom prst="rect">
-            <a:avLst/>
-          </a:prstGeom>
-          <a:noFill/>
-        </p:spPr>
-        <p:txBody>
-          <a:bodyPr wrap="none" rtlCol="0">
-            <a:spAutoFit/>
-          </a:bodyPr>
-          <a:lstStyle/>
-          <a:p>
-            <a:r>
-              <a:rPr lang="en-US" dirty="0"/>
-              <a:t> </a:t>
-            </a:r>
-            <a:r>
-              <a:rPr lang="en-IN" altLang="en-US" sz="1800" b="1" u="sng" dirty="0">
-                <a:solidFill>
-                  <a:srgbClr val="4A4A45"/>
-                </a:solidFill>
-                <a:latin typeface="Lato Bold" panose="020F0802020204030203" pitchFamily="34" charset="0"/>
-                <a:ea typeface="Lato Bold" panose="020F0802020204030203" pitchFamily="34" charset="-122"/>
-                <a:cs typeface="Lato Bold" panose="020F0802020204030203" pitchFamily="34" charset="-120"/>
-                <a:sym typeface="+mn-ea"/>
-              </a:rPr>
-              <a:t>G</a:t>
-            </a:r>
-            <a:r>
-              <a:rPr lang="en-US" sz="1800" b="1" u="sng" dirty="0">
-                <a:solidFill>
-                  <a:srgbClr val="4A4A45"/>
-                </a:solidFill>
-                <a:latin typeface="Lato Bold" panose="020F0802020204030203" pitchFamily="34" charset="0"/>
-                <a:ea typeface="Lato Bold" panose="020F0802020204030203" pitchFamily="34" charset="-122"/>
-                <a:cs typeface="Lato Bold" panose="020F0802020204030203" pitchFamily="34" charset="-120"/>
-                <a:sym typeface="+mn-ea"/>
-              </a:rPr>
-              <a:t>it</a:t>
-            </a:r>
-            <a:r>
-              <a:rPr lang="en-IN" altLang="en-US" sz="1800" b="1" u="sng" dirty="0">
-                <a:solidFill>
-                  <a:srgbClr val="4A4A45"/>
-                </a:solidFill>
-                <a:latin typeface="Lato Bold" panose="020F0802020204030203" pitchFamily="34" charset="0"/>
-                <a:ea typeface="Lato Bold" panose="020F0802020204030203" pitchFamily="34" charset="-122"/>
-                <a:cs typeface="Lato Bold" panose="020F0802020204030203" pitchFamily="34" charset="-120"/>
-                <a:sym typeface="+mn-ea"/>
-              </a:rPr>
-              <a:t>H</a:t>
-            </a:r>
-            <a:r>
-              <a:rPr lang="en-US" sz="1800" b="1" u="sng" dirty="0" err="1">
-                <a:solidFill>
-                  <a:srgbClr val="4A4A45"/>
-                </a:solidFill>
-                <a:latin typeface="Lato Bold" panose="020F0802020204030203" pitchFamily="34" charset="0"/>
-                <a:ea typeface="Lato Bold" panose="020F0802020204030203" pitchFamily="34" charset="-122"/>
-                <a:cs typeface="Lato Bold" panose="020F0802020204030203" pitchFamily="34" charset="-120"/>
-                <a:sym typeface="+mn-ea"/>
-              </a:rPr>
-              <a:t>ub</a:t>
-            </a:r>
-            <a:r>
-              <a:rPr lang="en-IN" altLang="en-US" sz="1800" b="1" u="sng" dirty="0">
-                <a:solidFill>
-                  <a:srgbClr val="4A4A45"/>
-                </a:solidFill>
-                <a:latin typeface="Lato Bold" panose="020F0802020204030203" pitchFamily="34" charset="0"/>
-                <a:ea typeface="Lato Bold" panose="020F0802020204030203" pitchFamily="34" charset="-122"/>
-                <a:cs typeface="Lato Bold" panose="020F0802020204030203" pitchFamily="34" charset="-120"/>
-                <a:sym typeface="+mn-ea"/>
-              </a:rPr>
-              <a:t> </a:t>
-            </a:r>
-            <a:r>
-              <a:rPr lang="en-US" altLang="en-US" sz="1800" b="1" u="sng" dirty="0">
-                <a:solidFill>
-                  <a:srgbClr val="4A4A45"/>
-                </a:solidFill>
-                <a:latin typeface="Lato Bold" panose="020F0802020204030203" pitchFamily="34" charset="0"/>
-                <a:ea typeface="Lato Bold" panose="020F0802020204030203" pitchFamily="34" charset="-122"/>
-                <a:cs typeface="Lato Bold" panose="020F0802020204030203" pitchFamily="34" charset="-120"/>
-                <a:sym typeface="+mn-ea"/>
-              </a:rPr>
-              <a:t>Readme:</a:t>
-            </a:r>
-            <a:endParaRPr lang="en-IN" dirty="0"/>
-          </a:p>
-        </p:txBody>
-      </p:sp>
-      <p:pic>
-        <p:nvPicPr>
-          <p:cNvPr id="4" name="Picture 3">
-            <a:extLst>
-              <a:ext uri="{FF2B5EF4-FFF2-40B4-BE49-F238E27FC236}">
-                <a16:creationId xmlns:a16="http://schemas.microsoft.com/office/drawing/2014/main" id="{ED1A6AA8-61DA-0925-3C88-A2C7645E376B}"/>
+                <a16:creationId xmlns:a16="http://schemas.microsoft.com/office/drawing/2014/main" id="{095169FE-9D5C-EB63-969F-57FFDF6CAB4D}"/>
               </a:ext>
             </a:extLst>
           </p:cNvPr>
@@ -3745,42 +3641,14 @@
         </p:nvPicPr>
         <p:blipFill>
           <a:blip r:embed="rId2"/>
-          <a:srcRect l="9080" t="11694" r="31298"/>
-          <a:stretch/>
+          <a:stretch>
+            <a:fillRect/>
+          </a:stretch>
         </p:blipFill>
         <p:spPr>
           <a:xfrm>
-            <a:off x="234365" y="1150374"/>
-            <a:ext cx="6712126" cy="6459794"/>
-          </a:xfrm>
-          <a:prstGeom prst="rect">
-            <a:avLst/>
-          </a:prstGeom>
-        </p:spPr>
-      </p:pic>
-      <p:pic>
-        <p:nvPicPr>
-          <p:cNvPr id="6" name="Picture 5">
-            <a:extLst>
-              <a:ext uri="{FF2B5EF4-FFF2-40B4-BE49-F238E27FC236}">
-                <a16:creationId xmlns:a16="http://schemas.microsoft.com/office/drawing/2014/main" id="{8B64B0E0-433E-9619-74D9-1B4470BD97D5}"/>
-              </a:ext>
-            </a:extLst>
-          </p:cNvPr>
-          <p:cNvPicPr>
-            <a:picLocks noChangeAspect="1"/>
-          </p:cNvPicPr>
-          <p:nvPr/>
-        </p:nvPicPr>
-        <p:blipFill>
-          <a:blip r:embed="rId3"/>
-          <a:srcRect l="13245" t="11694" r="36058"/>
-          <a:stretch/>
-        </p:blipFill>
-        <p:spPr>
-          <a:xfrm>
-            <a:off x="7164088" y="1150374"/>
-            <a:ext cx="6596157" cy="6459794"/>
+            <a:off x="2461535" y="761532"/>
+            <a:ext cx="9707330" cy="6706536"/>
           </a:xfrm>
           <a:prstGeom prst="rect">
             <a:avLst/>
@@ -3790,7 +3658,7 @@
     </p:spTree>
     <p:extLst>
       <p:ext uri="{BB962C8B-B14F-4D97-AF65-F5344CB8AC3E}">
-        <p14:creationId xmlns:p14="http://schemas.microsoft.com/office/powerpoint/2010/main" val="1200085392"/>
+        <p14:creationId xmlns:p14="http://schemas.microsoft.com/office/powerpoint/2010/main" val="1770205355"/>
       </p:ext>
     </p:extLst>
   </p:cSld>
@@ -3817,64 +3685,12 @@
           <a:chExt cx="0" cy="0"/>
         </a:xfrm>
       </p:grpSpPr>
-      <p:sp>
-        <p:nvSpPr>
-          <p:cNvPr id="6" name="Text Box 5"/>
-          <p:cNvSpPr txBox="1"/>
-          <p:nvPr/>
-        </p:nvSpPr>
-        <p:spPr>
-          <a:xfrm>
-            <a:off x="350520" y="1010920"/>
-            <a:ext cx="7315200" cy="387414"/>
-          </a:xfrm>
-          <a:prstGeom prst="rect">
-            <a:avLst/>
-          </a:prstGeom>
-          <a:noFill/>
-        </p:spPr>
-        <p:txBody>
-          <a:bodyPr wrap="square" rtlCol="0" anchor="t">
-            <a:spAutoFit/>
-          </a:bodyPr>
-          <a:lstStyle/>
-          <a:p>
-            <a:pPr marL="0" indent="0">
-              <a:lnSpc>
-                <a:spcPts val="2500"/>
-              </a:lnSpc>
-              <a:buNone/>
-            </a:pPr>
-            <a:r>
-              <a:rPr lang="en-US" sz="2000" b="1" u="sng" dirty="0">
-                <a:solidFill>
-                  <a:srgbClr val="4A4A45"/>
-                </a:solidFill>
-                <a:latin typeface="Lato Bold" panose="020F0802020204030203" pitchFamily="34" charset="0"/>
-                <a:ea typeface="Lato Bold" panose="020F0802020204030203" pitchFamily="34" charset="-122"/>
-                <a:cs typeface="Lato Bold" panose="020F0802020204030203" pitchFamily="34" charset="-120"/>
-                <a:sym typeface="+mn-ea"/>
-              </a:rPr>
-              <a:t>How to Run the App;</a:t>
-            </a:r>
-            <a:endParaRPr sz="2000" b="1" u="sng" dirty="0">
-              <a:solidFill>
-                <a:srgbClr val="4A4A45"/>
-              </a:solidFill>
-              <a:latin typeface="Lato Bold" panose="020F0802020204030203" pitchFamily="34" charset="0"/>
-              <a:ea typeface="Lato Bold" panose="020F0802020204030203" pitchFamily="34" charset="-122"/>
-              <a:cs typeface="Lato Bold" panose="020F0802020204030203" pitchFamily="34" charset="-120"/>
-              <a:sym typeface="+mn-ea"/>
-            </a:endParaRPr>
-          </a:p>
-        </p:txBody>
-      </p:sp>
       <p:pic>
         <p:nvPicPr>
-          <p:cNvPr id="8" name="Picture 7">
+          <p:cNvPr id="3" name="Picture 2">
             <a:extLst>
               <a:ext uri="{FF2B5EF4-FFF2-40B4-BE49-F238E27FC236}">
-                <a16:creationId xmlns:a16="http://schemas.microsoft.com/office/drawing/2014/main" id="{C41956E0-0D83-64EC-50BB-222D59EED378}"/>
+                <a16:creationId xmlns:a16="http://schemas.microsoft.com/office/drawing/2014/main" id="{8511665A-83AB-6746-31D2-C9D9C8DC9FE1}"/>
               </a:ext>
             </a:extLst>
           </p:cNvPr>
@@ -3885,25 +3701,65 @@
         </p:nvPicPr>
         <p:blipFill>
           <a:blip r:embed="rId2"/>
-          <a:srcRect l="13614" t="11089" r="33110" b="33669"/>
-          <a:stretch/>
+          <a:stretch>
+            <a:fillRect/>
+          </a:stretch>
         </p:blipFill>
         <p:spPr>
           <a:xfrm>
-            <a:off x="350520" y="2507223"/>
-            <a:ext cx="6359995" cy="4196771"/>
+            <a:off x="626908" y="705465"/>
+            <a:ext cx="6134956" cy="3629532"/>
           </a:xfrm>
           <a:prstGeom prst="rect">
             <a:avLst/>
           </a:prstGeom>
         </p:spPr>
       </p:pic>
+      <p:sp>
+        <p:nvSpPr>
+          <p:cNvPr id="5" name="TextBox 4">
+            <a:extLst>
+              <a:ext uri="{FF2B5EF4-FFF2-40B4-BE49-F238E27FC236}">
+                <a16:creationId xmlns:a16="http://schemas.microsoft.com/office/drawing/2014/main" id="{7D89EA49-7E81-2A80-436A-33E8227D29A4}"/>
+              </a:ext>
+            </a:extLst>
+          </p:cNvPr>
+          <p:cNvSpPr txBox="1"/>
+          <p:nvPr/>
+        </p:nvSpPr>
+        <p:spPr>
+          <a:xfrm>
+            <a:off x="2318657" y="4455651"/>
+            <a:ext cx="2503714" cy="646331"/>
+          </a:xfrm>
+          <a:prstGeom prst="rect">
+            <a:avLst/>
+          </a:prstGeom>
+          <a:noFill/>
+        </p:spPr>
+        <p:txBody>
+          <a:bodyPr wrap="square">
+            <a:spAutoFit/>
+          </a:bodyPr>
+          <a:lstStyle/>
+          <a:p>
+            <a:r>
+              <a:rPr lang="en-IN" dirty="0">
+                <a:latin typeface="Lato" panose="020F0502020204030203" pitchFamily="34" charset="0"/>
+                <a:ea typeface="Lato" panose="020F0502020204030203" pitchFamily="34" charset="0"/>
+                <a:cs typeface="Lato" panose="020F0502020204030203" pitchFamily="34" charset="0"/>
+              </a:rPr>
+              <a:t>Distribution of Amount</a:t>
+            </a:r>
+          </a:p>
+        </p:txBody>
+      </p:sp>
       <p:pic>
         <p:nvPicPr>
-          <p:cNvPr id="10" name="Picture 9">
+          <p:cNvPr id="8" name="Picture 7">
             <a:extLst>
               <a:ext uri="{FF2B5EF4-FFF2-40B4-BE49-F238E27FC236}">
-                <a16:creationId xmlns:a16="http://schemas.microsoft.com/office/drawing/2014/main" id="{0EA569CE-946A-F446-651C-A4ACC85F4647}"/>
+                <a16:creationId xmlns:a16="http://schemas.microsoft.com/office/drawing/2014/main" id="{7BEC6AB1-ED66-2E2D-8D01-C021AB09AB52}"/>
               </a:ext>
             </a:extLst>
           </p:cNvPr>
@@ -3914,13 +3770,14 @@
         </p:nvPicPr>
         <p:blipFill>
           <a:blip r:embed="rId3"/>
-          <a:srcRect l="13386" t="11291" r="33565" b="7570"/>
-          <a:stretch/>
+          <a:stretch>
+            <a:fillRect/>
+          </a:stretch>
         </p:blipFill>
         <p:spPr>
           <a:xfrm>
-            <a:off x="7665720" y="1563329"/>
-            <a:ext cx="6902245" cy="5935570"/>
+            <a:off x="7752924" y="633625"/>
+            <a:ext cx="5953956" cy="3688608"/>
           </a:xfrm>
           <a:prstGeom prst="rect">
             <a:avLst/>
@@ -3929,10 +3786,10 @@
       </p:pic>
       <p:sp>
         <p:nvSpPr>
-          <p:cNvPr id="11" name="TextBox 10">
+          <p:cNvPr id="10" name="TextBox 9">
             <a:extLst>
               <a:ext uri="{FF2B5EF4-FFF2-40B4-BE49-F238E27FC236}">
-                <a16:creationId xmlns:a16="http://schemas.microsoft.com/office/drawing/2014/main" id="{F7810C8A-B445-A3CE-FDCE-11706A1F6E1B}"/>
+                <a16:creationId xmlns:a16="http://schemas.microsoft.com/office/drawing/2014/main" id="{6DAEEB36-A618-FBB0-A3D1-846F8B6AD8D0}"/>
               </a:ext>
             </a:extLst>
           </p:cNvPr>
@@ -3941,48 +3798,8 @@
         </p:nvSpPr>
         <p:spPr>
           <a:xfrm>
-            <a:off x="350520" y="1887171"/>
-            <a:ext cx="1786066" cy="400110"/>
-          </a:xfrm>
-          <a:prstGeom prst="rect">
-            <a:avLst/>
-          </a:prstGeom>
-          <a:noFill/>
-        </p:spPr>
-        <p:txBody>
-          <a:bodyPr wrap="none" rtlCol="0">
-            <a:spAutoFit/>
-          </a:bodyPr>
-          <a:lstStyle/>
-          <a:p>
-            <a:r>
-              <a:rPr lang="en-US" sz="2000" dirty="0"/>
-              <a:t>1. Using </a:t>
-            </a:r>
-            <a:r>
-              <a:rPr lang="en-US" sz="2000" dirty="0" err="1"/>
-              <a:t>Github</a:t>
-            </a:r>
-            <a:endParaRPr lang="en-IN" sz="2000" dirty="0"/>
-          </a:p>
-        </p:txBody>
-      </p:sp>
-      <p:sp>
-        <p:nvSpPr>
-          <p:cNvPr id="13" name="TextBox 12">
-            <a:extLst>
-              <a:ext uri="{FF2B5EF4-FFF2-40B4-BE49-F238E27FC236}">
-                <a16:creationId xmlns:a16="http://schemas.microsoft.com/office/drawing/2014/main" id="{F297BB79-0D0F-5B14-7EA1-F4974B54E0CE}"/>
-              </a:ext>
-            </a:extLst>
-          </p:cNvPr>
-          <p:cNvSpPr txBox="1"/>
-          <p:nvPr/>
-        </p:nvSpPr>
-        <p:spPr>
-          <a:xfrm>
-            <a:off x="7665720" y="1088754"/>
-            <a:ext cx="7315200" cy="369332"/>
+            <a:off x="9372600" y="4455651"/>
+            <a:ext cx="2601686" cy="369332"/>
           </a:xfrm>
           <a:prstGeom prst="rect">
             <a:avLst/>
@@ -3996,22 +3813,22 @@
           <a:lstStyle/>
           <a:p>
             <a:r>
-              <a:rPr lang="en-US" dirty="0"/>
-              <a:t>2</a:t>
-            </a:r>
-            <a:r>
-              <a:rPr lang="en-US" sz="1800" dirty="0"/>
-              <a:t>. Using </a:t>
-            </a:r>
-            <a:r>
-              <a:rPr lang="en-US" dirty="0"/>
-              <a:t>Docker</a:t>
-            </a:r>
-            <a:endParaRPr lang="en-IN" sz="1800" dirty="0"/>
+              <a:rPr lang="en-IN" dirty="0">
+                <a:latin typeface="Lato" panose="020F0502020204030203" pitchFamily="34" charset="0"/>
+                <a:ea typeface="Lato" panose="020F0502020204030203" pitchFamily="34" charset="0"/>
+                <a:cs typeface="Lato" panose="020F0502020204030203" pitchFamily="34" charset="0"/>
+              </a:rPr>
+              <a:t>Distribution of Time</a:t>
+            </a:r>
           </a:p>
         </p:txBody>
       </p:sp>
     </p:spTree>
+    <p:extLst>
+      <p:ext uri="{BB962C8B-B14F-4D97-AF65-F5344CB8AC3E}">
+        <p14:creationId xmlns:p14="http://schemas.microsoft.com/office/powerpoint/2010/main" val="2325352533"/>
+      </p:ext>
+    </p:extLst>
   </p:cSld>
   <p:clrMapOvr>
     <a:masterClrMapping/>
@@ -4036,12 +3853,90 @@
           <a:chExt cx="0" cy="0"/>
         </a:xfrm>
       </p:grpSpPr>
+      <p:sp>
+        <p:nvSpPr>
+          <p:cNvPr id="5" name="TextBox 4">
+            <a:extLst>
+              <a:ext uri="{FF2B5EF4-FFF2-40B4-BE49-F238E27FC236}">
+                <a16:creationId xmlns:a16="http://schemas.microsoft.com/office/drawing/2014/main" id="{7D89EA49-7E81-2A80-436A-33E8227D29A4}"/>
+              </a:ext>
+            </a:extLst>
+          </p:cNvPr>
+          <p:cNvSpPr txBox="1"/>
+          <p:nvPr/>
+        </p:nvSpPr>
+        <p:spPr>
+          <a:xfrm>
+            <a:off x="2318657" y="3930134"/>
+            <a:ext cx="2503714" cy="646331"/>
+          </a:xfrm>
+          <a:prstGeom prst="rect">
+            <a:avLst/>
+          </a:prstGeom>
+          <a:noFill/>
+        </p:spPr>
+        <p:txBody>
+          <a:bodyPr wrap="square">
+            <a:spAutoFit/>
+          </a:bodyPr>
+          <a:lstStyle/>
+          <a:p>
+            <a:r>
+              <a:rPr lang="en-IN" dirty="0">
+                <a:latin typeface="Lato" panose="020F0502020204030203" pitchFamily="34" charset="0"/>
+                <a:ea typeface="Lato" panose="020F0502020204030203" pitchFamily="34" charset="0"/>
+                <a:cs typeface="Lato" panose="020F0502020204030203" pitchFamily="34" charset="0"/>
+              </a:rPr>
+              <a:t>Distribution of Amount</a:t>
+            </a:r>
+          </a:p>
+        </p:txBody>
+      </p:sp>
+      <p:sp>
+        <p:nvSpPr>
+          <p:cNvPr id="10" name="TextBox 9">
+            <a:extLst>
+              <a:ext uri="{FF2B5EF4-FFF2-40B4-BE49-F238E27FC236}">
+                <a16:creationId xmlns:a16="http://schemas.microsoft.com/office/drawing/2014/main" id="{6DAEEB36-A618-FBB0-A3D1-846F8B6AD8D0}"/>
+              </a:ext>
+            </a:extLst>
+          </p:cNvPr>
+          <p:cNvSpPr txBox="1"/>
+          <p:nvPr/>
+        </p:nvSpPr>
+        <p:spPr>
+          <a:xfrm>
+            <a:off x="9372600" y="3883052"/>
+            <a:ext cx="2601686" cy="369332"/>
+          </a:xfrm>
+          <a:prstGeom prst="rect">
+            <a:avLst/>
+          </a:prstGeom>
+          <a:noFill/>
+        </p:spPr>
+        <p:txBody>
+          <a:bodyPr wrap="square">
+            <a:spAutoFit/>
+          </a:bodyPr>
+          <a:lstStyle/>
+          <a:p>
+            <a:r>
+              <a:rPr lang="en-IN" dirty="0">
+                <a:latin typeface="Lato" panose="020F0502020204030203" pitchFamily="34" charset="0"/>
+                <a:ea typeface="Lato" panose="020F0502020204030203" pitchFamily="34" charset="0"/>
+                <a:cs typeface="Lato" panose="020F0502020204030203" pitchFamily="34" charset="0"/>
+              </a:rPr>
+              <a:t>Distribution of Time</a:t>
+            </a:r>
+          </a:p>
+        </p:txBody>
+      </p:sp>
       <p:pic>
         <p:nvPicPr>
-          <p:cNvPr id="3" name="Picture 2">
+          <p:cNvPr id="12" name="Picture 11">
             <a:extLst>
               <a:ext uri="{FF2B5EF4-FFF2-40B4-BE49-F238E27FC236}">
-                <a16:creationId xmlns:a16="http://schemas.microsoft.com/office/drawing/2014/main" id="{83FEA3E1-FA30-714E-320B-40EC2548EE4E}"/>
+                <a16:creationId xmlns:a16="http://schemas.microsoft.com/office/drawing/2014/main" id="{6BD0A3B9-2C9E-A295-23A8-7BD1AA81B4CD}"/>
               </a:ext>
             </a:extLst>
           </p:cNvPr>
@@ -4052,137 +3947,24 @@
         </p:nvPicPr>
         <p:blipFill>
           <a:blip r:embed="rId2"/>
-          <a:srcRect l="20642" t="18952" r="21775"/>
-          <a:stretch/>
+          <a:stretch>
+            <a:fillRect/>
+          </a:stretch>
         </p:blipFill>
         <p:spPr>
           <a:xfrm>
-            <a:off x="427704" y="1415845"/>
-            <a:ext cx="6563032" cy="5928851"/>
+            <a:off x="0" y="1456904"/>
+            <a:ext cx="14630400" cy="5315791"/>
           </a:xfrm>
           <a:prstGeom prst="rect">
             <a:avLst/>
           </a:prstGeom>
         </p:spPr>
       </p:pic>
-      <p:pic>
-        <p:nvPicPr>
-          <p:cNvPr id="4" name="Picture 3">
-            <a:extLst>
-              <a:ext uri="{FF2B5EF4-FFF2-40B4-BE49-F238E27FC236}">
-                <a16:creationId xmlns:a16="http://schemas.microsoft.com/office/drawing/2014/main" id="{5DA0071D-0E29-4FB5-589C-D3FAF11DE22A}"/>
-              </a:ext>
-            </a:extLst>
-          </p:cNvPr>
-          <p:cNvPicPr>
-            <a:picLocks noChangeAspect="1"/>
-          </p:cNvPicPr>
-          <p:nvPr/>
-        </p:nvPicPr>
-        <p:blipFill>
-          <a:blip r:embed="rId3"/>
-          <a:srcRect l="21433" t="16939" r="20979" b="-1"/>
-          <a:stretch/>
-        </p:blipFill>
-        <p:spPr>
-          <a:xfrm>
-            <a:off x="7315201" y="1415845"/>
-            <a:ext cx="6887496" cy="5928851"/>
-          </a:xfrm>
-          <a:prstGeom prst="rect">
-            <a:avLst/>
-          </a:prstGeom>
-        </p:spPr>
-      </p:pic>
-      <p:sp>
-        <p:nvSpPr>
-          <p:cNvPr id="6" name="TextBox 5">
-            <a:extLst>
-              <a:ext uri="{FF2B5EF4-FFF2-40B4-BE49-F238E27FC236}">
-                <a16:creationId xmlns:a16="http://schemas.microsoft.com/office/drawing/2014/main" id="{EFD0645F-2327-CC09-E195-6DA9BFA601B4}"/>
-              </a:ext>
-            </a:extLst>
-          </p:cNvPr>
-          <p:cNvSpPr txBox="1"/>
-          <p:nvPr/>
-        </p:nvSpPr>
-        <p:spPr>
-          <a:xfrm>
-            <a:off x="427704" y="502940"/>
-            <a:ext cx="7315200" cy="412934"/>
-          </a:xfrm>
-          <a:prstGeom prst="rect">
-            <a:avLst/>
-          </a:prstGeom>
-          <a:noFill/>
-        </p:spPr>
-        <p:txBody>
-          <a:bodyPr wrap="square">
-            <a:spAutoFit/>
-          </a:bodyPr>
-          <a:lstStyle/>
-          <a:p>
-            <a:pPr marL="0" indent="0">
-              <a:lnSpc>
-                <a:spcPts val="2500"/>
-              </a:lnSpc>
-              <a:buNone/>
-            </a:pPr>
-            <a:r>
-              <a:rPr lang="en-US" sz="2400" b="1" u="sng" dirty="0" err="1">
-                <a:solidFill>
-                  <a:srgbClr val="4A4A45"/>
-                </a:solidFill>
-                <a:latin typeface="Lato Bold" panose="020F0802020204030203" pitchFamily="34" charset="0"/>
-                <a:ea typeface="Lato Bold" panose="020F0802020204030203" pitchFamily="34" charset="-122"/>
-                <a:cs typeface="Lato Bold" panose="020F0802020204030203" pitchFamily="34" charset="-120"/>
-                <a:sym typeface="+mn-ea"/>
-              </a:rPr>
-              <a:t>Streamlit</a:t>
-            </a:r>
-            <a:r>
-              <a:rPr lang="en-US" sz="2400" b="1" u="sng" dirty="0">
-                <a:solidFill>
-                  <a:srgbClr val="4A4A45"/>
-                </a:solidFill>
-                <a:latin typeface="Lato Bold" panose="020F0802020204030203" pitchFamily="34" charset="0"/>
-                <a:ea typeface="Lato Bold" panose="020F0802020204030203" pitchFamily="34" charset="-122"/>
-                <a:cs typeface="Lato Bold" panose="020F0802020204030203" pitchFamily="34" charset="-120"/>
-                <a:sym typeface="+mn-ea"/>
-              </a:rPr>
-              <a:t> </a:t>
-            </a:r>
-            <a:r>
-              <a:rPr lang="en-US" sz="2400" b="1" u="sng" dirty="0" err="1">
-                <a:solidFill>
-                  <a:srgbClr val="4A4A45"/>
-                </a:solidFill>
-                <a:latin typeface="Lato Bold" panose="020F0802020204030203" pitchFamily="34" charset="0"/>
-                <a:ea typeface="Lato Bold" panose="020F0802020204030203" pitchFamily="34" charset="-122"/>
-                <a:cs typeface="Lato Bold" panose="020F0802020204030203" pitchFamily="34" charset="-120"/>
-                <a:sym typeface="+mn-ea"/>
-              </a:rPr>
-              <a:t>Webpp</a:t>
-            </a:r>
-            <a:r>
-              <a:rPr lang="en-US" sz="2400" b="1" u="sng" dirty="0">
-                <a:solidFill>
-                  <a:srgbClr val="4A4A45"/>
-                </a:solidFill>
-                <a:latin typeface="Lato Bold" panose="020F0802020204030203" pitchFamily="34" charset="0"/>
-                <a:ea typeface="Lato Bold" panose="020F0802020204030203" pitchFamily="34" charset="-122"/>
-                <a:cs typeface="Lato Bold" panose="020F0802020204030203" pitchFamily="34" charset="-120"/>
-                <a:sym typeface="+mn-ea"/>
-              </a:rPr>
-              <a:t> :</a:t>
-            </a:r>
-          </a:p>
-        </p:txBody>
-      </p:sp>
     </p:spTree>
     <p:extLst>
       <p:ext uri="{BB962C8B-B14F-4D97-AF65-F5344CB8AC3E}">
-        <p14:creationId xmlns:p14="http://schemas.microsoft.com/office/powerpoint/2010/main" val="2742588587"/>
+        <p14:creationId xmlns:p14="http://schemas.microsoft.com/office/powerpoint/2010/main" val="2950414305"/>
       </p:ext>
     </p:extLst>
   </p:cSld>
@@ -4214,7 +3996,7 @@
           <p:cNvPr id="3" name="Picture 2">
             <a:extLst>
               <a:ext uri="{FF2B5EF4-FFF2-40B4-BE49-F238E27FC236}">
-                <a16:creationId xmlns:a16="http://schemas.microsoft.com/office/drawing/2014/main" id="{49518CCC-284E-55AE-2215-AE36326298E0}"/>
+                <a16:creationId xmlns:a16="http://schemas.microsoft.com/office/drawing/2014/main" id="{682353E5-4C78-C67D-5AD9-8876ED43C958}"/>
               </a:ext>
             </a:extLst>
           </p:cNvPr>
@@ -4225,13 +4007,14 @@
         </p:nvPicPr>
         <p:blipFill>
           <a:blip r:embed="rId2"/>
-          <a:srcRect l="20982" t="20968" r="22682" b="4839"/>
-          <a:stretch/>
+          <a:stretch>
+            <a:fillRect/>
+          </a:stretch>
         </p:blipFill>
         <p:spPr>
           <a:xfrm>
-            <a:off x="2846439" y="1401096"/>
-            <a:ext cx="7329948" cy="5427407"/>
+            <a:off x="4352511" y="1175927"/>
+            <a:ext cx="5925377" cy="5877745"/>
           </a:xfrm>
           <a:prstGeom prst="rect">
             <a:avLst/>
@@ -4243,7 +4026,7 @@
           <p:cNvPr id="5" name="TextBox 4">
             <a:extLst>
               <a:ext uri="{FF2B5EF4-FFF2-40B4-BE49-F238E27FC236}">
-                <a16:creationId xmlns:a16="http://schemas.microsoft.com/office/drawing/2014/main" id="{41CE2A46-C826-C9E2-C190-A85E66F8BCE9}"/>
+                <a16:creationId xmlns:a16="http://schemas.microsoft.com/office/drawing/2014/main" id="{62649823-0515-F1BF-FACF-7A4BA50C1F5B}"/>
               </a:ext>
             </a:extLst>
           </p:cNvPr>
@@ -4252,8 +4035,8 @@
         </p:nvSpPr>
         <p:spPr>
           <a:xfrm>
-            <a:off x="634180" y="531689"/>
-            <a:ext cx="7315200" cy="412934"/>
+            <a:off x="4180114" y="446705"/>
+            <a:ext cx="7315200" cy="369332"/>
           </a:xfrm>
           <a:prstGeom prst="rect">
             <a:avLst/>
@@ -4266,59 +4049,9 @@
           </a:bodyPr>
           <a:lstStyle/>
           <a:p>
-            <a:pPr marL="0" indent="0">
-              <a:lnSpc>
-                <a:spcPts val="2500"/>
-              </a:lnSpc>
-              <a:buNone/>
-            </a:pPr>
-            <a:r>
-              <a:rPr lang="en-US" sz="2400" b="1" u="sng" dirty="0" err="1">
-                <a:solidFill>
-                  <a:srgbClr val="4A4A45"/>
-                </a:solidFill>
-                <a:latin typeface="Lato Bold" panose="020F0802020204030203" pitchFamily="34" charset="0"/>
-                <a:ea typeface="Lato Bold" panose="020F0802020204030203" pitchFamily="34" charset="-122"/>
-                <a:cs typeface="Lato Bold" panose="020F0802020204030203" pitchFamily="34" charset="-120"/>
-                <a:sym typeface="+mn-ea"/>
-              </a:rPr>
-              <a:t>Streamlit</a:t>
-            </a:r>
-            <a:r>
-              <a:rPr lang="en-US" sz="2400" b="1" u="sng" dirty="0">
-                <a:solidFill>
-                  <a:srgbClr val="4A4A45"/>
-                </a:solidFill>
-                <a:latin typeface="Lato Bold" panose="020F0802020204030203" pitchFamily="34" charset="0"/>
-                <a:ea typeface="Lato Bold" panose="020F0802020204030203" pitchFamily="34" charset="-122"/>
-                <a:cs typeface="Lato Bold" panose="020F0802020204030203" pitchFamily="34" charset="-120"/>
-                <a:sym typeface="+mn-ea"/>
-              </a:rPr>
-              <a:t> </a:t>
-            </a:r>
-            <a:r>
-              <a:rPr lang="en-US" sz="2400" b="1" u="sng" dirty="0" err="1">
-                <a:solidFill>
-                  <a:srgbClr val="4A4A45"/>
-                </a:solidFill>
-                <a:latin typeface="Lato Bold" panose="020F0802020204030203" pitchFamily="34" charset="0"/>
-                <a:ea typeface="Lato Bold" panose="020F0802020204030203" pitchFamily="34" charset="-122"/>
-                <a:cs typeface="Lato Bold" panose="020F0802020204030203" pitchFamily="34" charset="-120"/>
-                <a:sym typeface="+mn-ea"/>
-              </a:rPr>
-              <a:t>Webpp</a:t>
-            </a:r>
-            <a:r>
-              <a:rPr lang="en-US" sz="2400" b="1" u="sng" dirty="0">
-                <a:solidFill>
-                  <a:srgbClr val="4A4A45"/>
-                </a:solidFill>
-                <a:latin typeface="Lato Bold" panose="020F0802020204030203" pitchFamily="34" charset="0"/>
-                <a:ea typeface="Lato Bold" panose="020F0802020204030203" pitchFamily="34" charset="-122"/>
-                <a:cs typeface="Lato Bold" panose="020F0802020204030203" pitchFamily="34" charset="-120"/>
-                <a:sym typeface="+mn-ea"/>
-              </a:rPr>
-              <a:t> :</a:t>
+            <a:r>
+              <a:rPr lang="en-IN" dirty="0"/>
+              <a:t>Without Scaling &amp; over and under sampling</a:t>
             </a:r>
           </a:p>
         </p:txBody>
@@ -4326,7 +4059,7 @@
     </p:spTree>
     <p:extLst>
       <p:ext uri="{BB962C8B-B14F-4D97-AF65-F5344CB8AC3E}">
-        <p14:creationId xmlns:p14="http://schemas.microsoft.com/office/powerpoint/2010/main" val="2894711222"/>
+        <p14:creationId xmlns:p14="http://schemas.microsoft.com/office/powerpoint/2010/main" val="1182402963"/>
       </p:ext>
     </p:extLst>
   </p:cSld>
@@ -4355,14 +4088,20 @@
       </p:grpSpPr>
       <p:sp>
         <p:nvSpPr>
-          <p:cNvPr id="6" name="Text Box 5"/>
+          <p:cNvPr id="2" name="TextBox 1">
+            <a:extLst>
+              <a:ext uri="{FF2B5EF4-FFF2-40B4-BE49-F238E27FC236}">
+                <a16:creationId xmlns:a16="http://schemas.microsoft.com/office/drawing/2014/main" id="{9C211EB1-DEEC-EBD1-5332-6CB1C16EB15F}"/>
+              </a:ext>
+            </a:extLst>
+          </p:cNvPr>
           <p:cNvSpPr txBox="1"/>
           <p:nvPr/>
         </p:nvSpPr>
         <p:spPr>
           <a:xfrm>
-            <a:off x="350520" y="1010920"/>
-            <a:ext cx="7315200" cy="411480"/>
+            <a:off x="290479" y="619432"/>
+            <a:ext cx="1943161" cy="369332"/>
           </a:xfrm>
           <a:prstGeom prst="rect">
             <a:avLst/>
@@ -4370,19 +4109,17 @@
           <a:noFill/>
         </p:spPr>
         <p:txBody>
-          <a:bodyPr wrap="square" rtlCol="0" anchor="t">
+          <a:bodyPr wrap="none" rtlCol="0">
             <a:spAutoFit/>
           </a:bodyPr>
           <a:lstStyle/>
           <a:p>
-            <a:pPr marL="0" indent="0">
-              <a:lnSpc>
-                <a:spcPts val="2500"/>
-              </a:lnSpc>
-              <a:buNone/>
-            </a:pPr>
-            <a:r>
-              <a:rPr lang="en-IN" sz="2000" b="1" u="sng" dirty="0">
+            <a:r>
+              <a:rPr lang="en-US" dirty="0"/>
+              <a:t> </a:t>
+            </a:r>
+            <a:r>
+              <a:rPr lang="en-IN" altLang="en-US" sz="1800" b="1" u="sng" dirty="0">
                 <a:solidFill>
                   <a:srgbClr val="4A4A45"/>
                 </a:solidFill>
@@ -4391,10 +4128,10 @@
                 <a:cs typeface="Lato Bold" panose="020F0802020204030203" pitchFamily="34" charset="-120"/>
                 <a:sym typeface="+mn-ea"/>
               </a:rPr>
-              <a:t>D</a:t>
-            </a:r>
-            <a:r>
-              <a:rPr sz="2000" b="1" u="sng" dirty="0">
+              <a:t>G</a:t>
+            </a:r>
+            <a:r>
+              <a:rPr lang="en-US" sz="1800" b="1" u="sng" dirty="0">
                 <a:solidFill>
                   <a:srgbClr val="4A4A45"/>
                 </a:solidFill>
@@ -4403,10 +4140,10 @@
                 <a:cs typeface="Lato Bold" panose="020F0802020204030203" pitchFamily="34" charset="-120"/>
                 <a:sym typeface="+mn-ea"/>
               </a:rPr>
-              <a:t>ocker </a:t>
-            </a:r>
-            <a:r>
-              <a:rPr lang="en-IN" sz="2000" b="1" u="sng" dirty="0">
+              <a:t>it</a:t>
+            </a:r>
+            <a:r>
+              <a:rPr lang="en-IN" altLang="en-US" sz="1800" b="1" u="sng" dirty="0">
                 <a:solidFill>
                   <a:srgbClr val="4A4A45"/>
                 </a:solidFill>
@@ -4418,7 +4155,7 @@
               <a:t>H</a:t>
             </a:r>
             <a:r>
-              <a:rPr sz="2000" b="1" u="sng" dirty="0">
+              <a:rPr lang="en-US" sz="1800" b="1" u="sng" dirty="0" err="1">
                 <a:solidFill>
                   <a:srgbClr val="4A4A45"/>
                 </a:solidFill>
@@ -4427,10 +4164,10 @@
                 <a:cs typeface="Lato Bold" panose="020F0802020204030203" pitchFamily="34" charset="-120"/>
                 <a:sym typeface="+mn-ea"/>
               </a:rPr>
-              <a:t>ub </a:t>
-            </a:r>
-            <a:r>
-              <a:rPr lang="en-IN" sz="2000" b="1" u="sng" dirty="0">
+              <a:t>ub</a:t>
+            </a:r>
+            <a:r>
+              <a:rPr lang="en-IN" altLang="en-US" sz="1800" b="1" u="sng" dirty="0">
                 <a:solidFill>
                   <a:srgbClr val="4A4A45"/>
                 </a:solidFill>
@@ -4439,10 +4176,10 @@
                 <a:cs typeface="Lato Bold" panose="020F0802020204030203" pitchFamily="34" charset="-120"/>
                 <a:sym typeface="+mn-ea"/>
               </a:rPr>
-              <a:t>I</a:t>
-            </a:r>
-            <a:r>
-              <a:rPr sz="2000" b="1" u="sng" dirty="0">
+              <a:t> </a:t>
+            </a:r>
+            <a:r>
+              <a:rPr lang="en-US" altLang="en-US" sz="1800" b="1" u="sng" dirty="0">
                 <a:solidFill>
                   <a:srgbClr val="4A4A45"/>
                 </a:solidFill>
@@ -4451,40 +4188,18 @@
                 <a:cs typeface="Lato Bold" panose="020F0802020204030203" pitchFamily="34" charset="-120"/>
                 <a:sym typeface="+mn-ea"/>
               </a:rPr>
-              <a:t>mage</a:t>
-            </a:r>
+              <a:t>Readme:</a:t>
+            </a:r>
+            <a:endParaRPr lang="en-IN" dirty="0"/>
           </a:p>
         </p:txBody>
       </p:sp>
       <p:pic>
         <p:nvPicPr>
-          <p:cNvPr id="4" name="Picture 3" descr="docker hub image"/>
-          <p:cNvPicPr>
-            <a:picLocks noChangeAspect="1"/>
-          </p:cNvPicPr>
-          <p:nvPr/>
-        </p:nvPicPr>
-        <p:blipFill>
-          <a:blip r:embed="rId3"/>
-          <a:srcRect r="40958"/>
-          <a:stretch/>
-        </p:blipFill>
-        <p:spPr>
-          <a:xfrm>
-            <a:off x="149020" y="1781175"/>
-            <a:ext cx="6463235" cy="5258343"/>
-          </a:xfrm>
-          <a:prstGeom prst="rect">
-            <a:avLst/>
-          </a:prstGeom>
-        </p:spPr>
-      </p:pic>
-      <p:pic>
-        <p:nvPicPr>
-          <p:cNvPr id="8" name="Picture 7">
+          <p:cNvPr id="4" name="Picture 3">
             <a:extLst>
               <a:ext uri="{FF2B5EF4-FFF2-40B4-BE49-F238E27FC236}">
-                <a16:creationId xmlns:a16="http://schemas.microsoft.com/office/drawing/2014/main" id="{E87892D1-1CC2-215A-00F6-97C23010D0FF}"/>
+                <a16:creationId xmlns:a16="http://schemas.microsoft.com/office/drawing/2014/main" id="{ED1A6AA8-61DA-0925-3C88-A2C7645E376B}"/>
               </a:ext>
             </a:extLst>
           </p:cNvPr>
@@ -4494,14 +4209,43 @@
           <p:nvPr/>
         </p:nvPicPr>
         <p:blipFill>
-          <a:blip r:embed="rId4"/>
-          <a:srcRect t="21371" r="42632" b="5115"/>
+          <a:blip r:embed="rId2"/>
+          <a:srcRect l="9080" t="11694" r="31298"/>
           <a:stretch/>
         </p:blipFill>
         <p:spPr>
           <a:xfrm>
-            <a:off x="7033444" y="1781175"/>
-            <a:ext cx="7315200" cy="5258343"/>
+            <a:off x="234365" y="1150374"/>
+            <a:ext cx="6712126" cy="6459794"/>
+          </a:xfrm>
+          <a:prstGeom prst="rect">
+            <a:avLst/>
+          </a:prstGeom>
+        </p:spPr>
+      </p:pic>
+      <p:pic>
+        <p:nvPicPr>
+          <p:cNvPr id="6" name="Picture 5">
+            <a:extLst>
+              <a:ext uri="{FF2B5EF4-FFF2-40B4-BE49-F238E27FC236}">
+                <a16:creationId xmlns:a16="http://schemas.microsoft.com/office/drawing/2014/main" id="{8B64B0E0-433E-9619-74D9-1B4470BD97D5}"/>
+              </a:ext>
+            </a:extLst>
+          </p:cNvPr>
+          <p:cNvPicPr>
+            <a:picLocks noChangeAspect="1"/>
+          </p:cNvPicPr>
+          <p:nvPr/>
+        </p:nvPicPr>
+        <p:blipFill>
+          <a:blip r:embed="rId3"/>
+          <a:srcRect l="13245" t="11694" r="36058"/>
+          <a:stretch/>
+        </p:blipFill>
+        <p:spPr>
+          <a:xfrm>
+            <a:off x="7164088" y="1150374"/>
+            <a:ext cx="6596157" cy="6459794"/>
           </a:xfrm>
           <a:prstGeom prst="rect">
             <a:avLst/>
@@ -4509,6 +4253,11 @@
         </p:spPr>
       </p:pic>
     </p:spTree>
+    <p:extLst>
+      <p:ext uri="{BB962C8B-B14F-4D97-AF65-F5344CB8AC3E}">
+        <p14:creationId xmlns:p14="http://schemas.microsoft.com/office/powerpoint/2010/main" val="1200085392"/>
+      </p:ext>
+    </p:extLst>
   </p:cSld>
   <p:clrMapOvr>
     <a:masterClrMapping/>
@@ -4542,7 +4291,7 @@
         <p:spPr>
           <a:xfrm>
             <a:off x="350520" y="1010920"/>
-            <a:ext cx="7315200" cy="411480"/>
+            <a:ext cx="7315200" cy="387414"/>
           </a:xfrm>
           <a:prstGeom prst="rect">
             <a:avLst/>
@@ -4562,7 +4311,7 @@
               <a:buNone/>
             </a:pPr>
             <a:r>
-              <a:rPr lang="en-IN" sz="2000" b="1" u="sng" dirty="0">
+              <a:rPr lang="en-US" sz="2000" b="1" u="sng" dirty="0">
                 <a:solidFill>
                   <a:srgbClr val="4A4A45"/>
                 </a:solidFill>
@@ -4571,95 +4320,162 @@
                 <a:cs typeface="Lato Bold" panose="020F0802020204030203" pitchFamily="34" charset="-120"/>
                 <a:sym typeface="+mn-ea"/>
               </a:rPr>
-              <a:t>D</a:t>
-            </a:r>
-            <a:r>
-              <a:rPr sz="2000" b="1" u="sng" dirty="0">
-                <a:solidFill>
-                  <a:srgbClr val="4A4A45"/>
-                </a:solidFill>
-                <a:latin typeface="Lato Bold" panose="020F0802020204030203" pitchFamily="34" charset="0"/>
-                <a:ea typeface="Lato Bold" panose="020F0802020204030203" pitchFamily="34" charset="-122"/>
-                <a:cs typeface="Lato Bold" panose="020F0802020204030203" pitchFamily="34" charset="-120"/>
-                <a:sym typeface="+mn-ea"/>
-              </a:rPr>
-              <a:t>ocker </a:t>
-            </a:r>
-            <a:r>
-              <a:rPr lang="en-IN" sz="2000" b="1" u="sng" dirty="0">
-                <a:solidFill>
-                  <a:srgbClr val="4A4A45"/>
-                </a:solidFill>
-                <a:latin typeface="Lato Bold" panose="020F0802020204030203" pitchFamily="34" charset="0"/>
-                <a:ea typeface="Lato Bold" panose="020F0802020204030203" pitchFamily="34" charset="-122"/>
-                <a:cs typeface="Lato Bold" panose="020F0802020204030203" pitchFamily="34" charset="-120"/>
-                <a:sym typeface="+mn-ea"/>
-              </a:rPr>
-              <a:t>C</a:t>
-            </a:r>
-            <a:r>
-              <a:rPr sz="2000" b="1" u="sng" dirty="0">
-                <a:solidFill>
-                  <a:srgbClr val="4A4A45"/>
-                </a:solidFill>
-                <a:latin typeface="Lato Bold" panose="020F0802020204030203" pitchFamily="34" charset="0"/>
-                <a:ea typeface="Lato Bold" panose="020F0802020204030203" pitchFamily="34" charset="-122"/>
-                <a:cs typeface="Lato Bold" panose="020F0802020204030203" pitchFamily="34" charset="-120"/>
-                <a:sym typeface="+mn-ea"/>
-              </a:rPr>
-              <a:t>ontainers</a:t>
-            </a:r>
-            <a:r>
-              <a:rPr lang="en-IN" sz="2000" b="1" u="sng" dirty="0">
-                <a:solidFill>
-                  <a:srgbClr val="4A4A45"/>
-                </a:solidFill>
-                <a:latin typeface="Lato Bold" panose="020F0802020204030203" pitchFamily="34" charset="0"/>
-                <a:ea typeface="Lato Bold" panose="020F0802020204030203" pitchFamily="34" charset="-122"/>
-                <a:cs typeface="Lato Bold" panose="020F0802020204030203" pitchFamily="34" charset="-120"/>
-                <a:sym typeface="+mn-ea"/>
-              </a:rPr>
-              <a:t> Running</a:t>
-            </a:r>
-            <a:r>
-              <a:rPr sz="2000" b="1" u="sng" dirty="0">
-                <a:solidFill>
-                  <a:srgbClr val="4A4A45"/>
-                </a:solidFill>
-                <a:latin typeface="Lato Bold" panose="020F0802020204030203" pitchFamily="34" charset="0"/>
-                <a:ea typeface="Lato Bold" panose="020F0802020204030203" pitchFamily="34" charset="-122"/>
-                <a:cs typeface="Lato Bold" panose="020F0802020204030203" pitchFamily="34" charset="-120"/>
-                <a:sym typeface="+mn-ea"/>
-              </a:rPr>
-              <a:t> (mysql and jupyter) - in GUI</a:t>
-            </a:r>
+              <a:t>How to Run the App;</a:t>
+            </a:r>
+            <a:endParaRPr sz="2000" b="1" u="sng" dirty="0">
+              <a:solidFill>
+                <a:srgbClr val="4A4A45"/>
+              </a:solidFill>
+              <a:latin typeface="Lato Bold" panose="020F0802020204030203" pitchFamily="34" charset="0"/>
+              <a:ea typeface="Lato Bold" panose="020F0802020204030203" pitchFamily="34" charset="-122"/>
+              <a:cs typeface="Lato Bold" panose="020F0802020204030203" pitchFamily="34" charset="-120"/>
+              <a:sym typeface="+mn-ea"/>
+            </a:endParaRPr>
           </a:p>
         </p:txBody>
       </p:sp>
       <p:pic>
         <p:nvPicPr>
-          <p:cNvPr id="3" name="Picture 2" descr="docker running containers (mysql and jupyter) - in GUI"/>
+          <p:cNvPr id="8" name="Picture 7">
+            <a:extLst>
+              <a:ext uri="{FF2B5EF4-FFF2-40B4-BE49-F238E27FC236}">
+                <a16:creationId xmlns:a16="http://schemas.microsoft.com/office/drawing/2014/main" id="{C41956E0-0D83-64EC-50BB-222D59EED378}"/>
+              </a:ext>
+            </a:extLst>
+          </p:cNvPr>
           <p:cNvPicPr>
             <a:picLocks noChangeAspect="1"/>
           </p:cNvPicPr>
           <p:nvPr/>
         </p:nvPicPr>
         <p:blipFill>
+          <a:blip r:embed="rId2"/>
+          <a:srcRect l="13614" t="11089" r="33110" b="33669"/>
+          <a:stretch/>
+        </p:blipFill>
+        <p:spPr>
+          <a:xfrm>
+            <a:off x="350520" y="2507223"/>
+            <a:ext cx="6359995" cy="4196771"/>
+          </a:xfrm>
+          <a:prstGeom prst="rect">
+            <a:avLst/>
+          </a:prstGeom>
+        </p:spPr>
+      </p:pic>
+      <p:pic>
+        <p:nvPicPr>
+          <p:cNvPr id="10" name="Picture 9">
+            <a:extLst>
+              <a:ext uri="{FF2B5EF4-FFF2-40B4-BE49-F238E27FC236}">
+                <a16:creationId xmlns:a16="http://schemas.microsoft.com/office/drawing/2014/main" id="{0EA569CE-946A-F446-651C-A4ACC85F4647}"/>
+              </a:ext>
+            </a:extLst>
+          </p:cNvPr>
+          <p:cNvPicPr>
+            <a:picLocks noChangeAspect="1"/>
+          </p:cNvPicPr>
+          <p:nvPr/>
+        </p:nvPicPr>
+        <p:blipFill>
           <a:blip r:embed="rId3"/>
-          <a:stretch>
-            <a:fillRect/>
-          </a:stretch>
+          <a:srcRect l="13386" t="11291" r="33565" b="7570"/>
+          <a:stretch/>
         </p:blipFill>
         <p:spPr>
           <a:xfrm>
-            <a:off x="209550" y="1422400"/>
-            <a:ext cx="14210665" cy="6628130"/>
+            <a:off x="7665720" y="1563329"/>
+            <a:ext cx="6902245" cy="5935570"/>
           </a:xfrm>
           <a:prstGeom prst="rect">
             <a:avLst/>
           </a:prstGeom>
         </p:spPr>
       </p:pic>
+      <p:sp>
+        <p:nvSpPr>
+          <p:cNvPr id="11" name="TextBox 10">
+            <a:extLst>
+              <a:ext uri="{FF2B5EF4-FFF2-40B4-BE49-F238E27FC236}">
+                <a16:creationId xmlns:a16="http://schemas.microsoft.com/office/drawing/2014/main" id="{F7810C8A-B445-A3CE-FDCE-11706A1F6E1B}"/>
+              </a:ext>
+            </a:extLst>
+          </p:cNvPr>
+          <p:cNvSpPr txBox="1"/>
+          <p:nvPr/>
+        </p:nvSpPr>
+        <p:spPr>
+          <a:xfrm>
+            <a:off x="350520" y="1887171"/>
+            <a:ext cx="1786066" cy="400110"/>
+          </a:xfrm>
+          <a:prstGeom prst="rect">
+            <a:avLst/>
+          </a:prstGeom>
+          <a:noFill/>
+        </p:spPr>
+        <p:txBody>
+          <a:bodyPr wrap="none" rtlCol="0">
+            <a:spAutoFit/>
+          </a:bodyPr>
+          <a:lstStyle/>
+          <a:p>
+            <a:r>
+              <a:rPr lang="en-US" sz="2000" dirty="0"/>
+              <a:t>1. Using </a:t>
+            </a:r>
+            <a:r>
+              <a:rPr lang="en-US" sz="2000" dirty="0" err="1"/>
+              <a:t>Github</a:t>
+            </a:r>
+            <a:endParaRPr lang="en-IN" sz="2000" dirty="0"/>
+          </a:p>
+        </p:txBody>
+      </p:sp>
+      <p:sp>
+        <p:nvSpPr>
+          <p:cNvPr id="13" name="TextBox 12">
+            <a:extLst>
+              <a:ext uri="{FF2B5EF4-FFF2-40B4-BE49-F238E27FC236}">
+                <a16:creationId xmlns:a16="http://schemas.microsoft.com/office/drawing/2014/main" id="{F297BB79-0D0F-5B14-7EA1-F4974B54E0CE}"/>
+              </a:ext>
+            </a:extLst>
+          </p:cNvPr>
+          <p:cNvSpPr txBox="1"/>
+          <p:nvPr/>
+        </p:nvSpPr>
+        <p:spPr>
+          <a:xfrm>
+            <a:off x="7665720" y="1088754"/>
+            <a:ext cx="7315200" cy="369332"/>
+          </a:xfrm>
+          <a:prstGeom prst="rect">
+            <a:avLst/>
+          </a:prstGeom>
+          <a:noFill/>
+        </p:spPr>
+        <p:txBody>
+          <a:bodyPr wrap="square">
+            <a:spAutoFit/>
+          </a:bodyPr>
+          <a:lstStyle/>
+          <a:p>
+            <a:r>
+              <a:rPr lang="en-US" dirty="0"/>
+              <a:t>2</a:t>
+            </a:r>
+            <a:r>
+              <a:rPr lang="en-US" sz="1800" dirty="0"/>
+              <a:t>. Using </a:t>
+            </a:r>
+            <a:r>
+              <a:rPr lang="en-US" dirty="0"/>
+              <a:t>Docker</a:t>
+            </a:r>
+            <a:endParaRPr lang="en-IN" sz="1800" dirty="0"/>
+          </a:p>
+        </p:txBody>
+      </p:sp>
     </p:spTree>
   </p:cSld>
   <p:clrMapOvr>
@@ -4685,12 +4501,70 @@
           <a:chExt cx="0" cy="0"/>
         </a:xfrm>
       </p:grpSpPr>
-      <p:sp>
-        <p:nvSpPr>
-          <p:cNvPr id="3" name="TextBox 2">
+      <p:pic>
+        <p:nvPicPr>
+          <p:cNvPr id="3" name="Picture 2">
             <a:extLst>
               <a:ext uri="{FF2B5EF4-FFF2-40B4-BE49-F238E27FC236}">
-                <a16:creationId xmlns:a16="http://schemas.microsoft.com/office/drawing/2014/main" id="{60E7647D-E6C2-E497-78B5-9A20901642C6}"/>
+                <a16:creationId xmlns:a16="http://schemas.microsoft.com/office/drawing/2014/main" id="{83FEA3E1-FA30-714E-320B-40EC2548EE4E}"/>
+              </a:ext>
+            </a:extLst>
+          </p:cNvPr>
+          <p:cNvPicPr>
+            <a:picLocks noChangeAspect="1"/>
+          </p:cNvPicPr>
+          <p:nvPr/>
+        </p:nvPicPr>
+        <p:blipFill>
+          <a:blip r:embed="rId2"/>
+          <a:srcRect l="20642" t="18952" r="21775"/>
+          <a:stretch/>
+        </p:blipFill>
+        <p:spPr>
+          <a:xfrm>
+            <a:off x="427704" y="1415845"/>
+            <a:ext cx="6563032" cy="5928851"/>
+          </a:xfrm>
+          <a:prstGeom prst="rect">
+            <a:avLst/>
+          </a:prstGeom>
+        </p:spPr>
+      </p:pic>
+      <p:pic>
+        <p:nvPicPr>
+          <p:cNvPr id="4" name="Picture 3">
+            <a:extLst>
+              <a:ext uri="{FF2B5EF4-FFF2-40B4-BE49-F238E27FC236}">
+                <a16:creationId xmlns:a16="http://schemas.microsoft.com/office/drawing/2014/main" id="{5DA0071D-0E29-4FB5-589C-D3FAF11DE22A}"/>
+              </a:ext>
+            </a:extLst>
+          </p:cNvPr>
+          <p:cNvPicPr>
+            <a:picLocks noChangeAspect="1"/>
+          </p:cNvPicPr>
+          <p:nvPr/>
+        </p:nvPicPr>
+        <p:blipFill>
+          <a:blip r:embed="rId3"/>
+          <a:srcRect l="21433" t="16939" r="20979" b="-1"/>
+          <a:stretch/>
+        </p:blipFill>
+        <p:spPr>
+          <a:xfrm>
+            <a:off x="7315201" y="1415845"/>
+            <a:ext cx="6887496" cy="5928851"/>
+          </a:xfrm>
+          <a:prstGeom prst="rect">
+            <a:avLst/>
+          </a:prstGeom>
+        </p:spPr>
+      </p:pic>
+      <p:sp>
+        <p:nvSpPr>
+          <p:cNvPr id="6" name="TextBox 5">
+            <a:extLst>
+              <a:ext uri="{FF2B5EF4-FFF2-40B4-BE49-F238E27FC236}">
+                <a16:creationId xmlns:a16="http://schemas.microsoft.com/office/drawing/2014/main" id="{EFD0645F-2327-CC09-E195-6DA9BFA601B4}"/>
               </a:ext>
             </a:extLst>
           </p:cNvPr>
@@ -4699,8 +4573,8 @@
         </p:nvSpPr>
         <p:spPr>
           <a:xfrm>
-            <a:off x="604683" y="752915"/>
-            <a:ext cx="7315200" cy="381964"/>
+            <a:off x="427704" y="502940"/>
+            <a:ext cx="7315200" cy="412934"/>
           </a:xfrm>
           <a:prstGeom prst="rect">
             <a:avLst/>
@@ -4720,7 +4594,7 @@
               <a:buNone/>
             </a:pPr>
             <a:r>
-              <a:rPr lang="en-US" sz="1800" b="1" u="sng" dirty="0">
+              <a:rPr lang="en-US" sz="2400" b="1" u="sng" dirty="0" err="1">
                 <a:solidFill>
                   <a:srgbClr val="4A4A45"/>
                 </a:solidFill>
@@ -4729,10 +4603,10 @@
                 <a:cs typeface="Lato Bold" panose="020F0802020204030203" pitchFamily="34" charset="-120"/>
                 <a:sym typeface="+mn-ea"/>
               </a:rPr>
-              <a:t>Docker Containers Running (</a:t>
-            </a:r>
-            <a:r>
-              <a:rPr lang="en-US" sz="1800" b="1" u="sng" dirty="0" err="1">
+              <a:t>Streamlit</a:t>
+            </a:r>
+            <a:r>
+              <a:rPr lang="en-US" sz="2400" b="1" u="sng" dirty="0">
                 <a:solidFill>
                   <a:srgbClr val="4A4A45"/>
                 </a:solidFill>
@@ -4741,10 +4615,10 @@
                 <a:cs typeface="Lato Bold" panose="020F0802020204030203" pitchFamily="34" charset="-120"/>
                 <a:sym typeface="+mn-ea"/>
               </a:rPr>
-              <a:t>Streamlit</a:t>
-            </a:r>
-            <a:r>
-              <a:rPr lang="en-US" sz="1800" b="1" u="sng" dirty="0">
+              <a:t> </a:t>
+            </a:r>
+            <a:r>
+              <a:rPr lang="en-US" sz="2400" b="1" u="sng" dirty="0" err="1">
                 <a:solidFill>
                   <a:srgbClr val="4A4A45"/>
                 </a:solidFill>
@@ -4753,44 +4627,27 @@
                 <a:cs typeface="Lato Bold" panose="020F0802020204030203" pitchFamily="34" charset="-120"/>
                 <a:sym typeface="+mn-ea"/>
               </a:rPr>
-              <a:t> WebApp) - in GUI</a:t>
-            </a:r>
-          </a:p>
-        </p:txBody>
-      </p:sp>
-      <p:pic>
-        <p:nvPicPr>
-          <p:cNvPr id="7" name="Picture 6">
-            <a:extLst>
-              <a:ext uri="{FF2B5EF4-FFF2-40B4-BE49-F238E27FC236}">
-                <a16:creationId xmlns:a16="http://schemas.microsoft.com/office/drawing/2014/main" id="{15D59334-EE8E-D776-3C7F-8C8924155929}"/>
-              </a:ext>
-            </a:extLst>
-          </p:cNvPr>
-          <p:cNvPicPr>
-            <a:picLocks noChangeAspect="1"/>
-          </p:cNvPicPr>
-          <p:nvPr/>
-        </p:nvPicPr>
-        <p:blipFill>
-          <a:blip r:embed="rId2"/>
-          <a:srcRect l="3866" t="4033" r="4206" b="4042"/>
-          <a:stretch/>
-        </p:blipFill>
-        <p:spPr>
-          <a:xfrm>
-            <a:off x="1032386" y="1371600"/>
-            <a:ext cx="11960943" cy="6724517"/>
-          </a:xfrm>
-          <a:prstGeom prst="rect">
-            <a:avLst/>
-          </a:prstGeom>
-        </p:spPr>
-      </p:pic>
+              <a:t>Webpp</a:t>
+            </a:r>
+            <a:r>
+              <a:rPr lang="en-US" sz="2400" b="1" u="sng" dirty="0">
+                <a:solidFill>
+                  <a:srgbClr val="4A4A45"/>
+                </a:solidFill>
+                <a:latin typeface="Lato Bold" panose="020F0802020204030203" pitchFamily="34" charset="0"/>
+                <a:ea typeface="Lato Bold" panose="020F0802020204030203" pitchFamily="34" charset="-122"/>
+                <a:cs typeface="Lato Bold" panose="020F0802020204030203" pitchFamily="34" charset="-120"/>
+                <a:sym typeface="+mn-ea"/>
+              </a:rPr>
+              <a:t> :</a:t>
+            </a:r>
+          </a:p>
+        </p:txBody>
+      </p:sp>
     </p:spTree>
     <p:extLst>
       <p:ext uri="{BB962C8B-B14F-4D97-AF65-F5344CB8AC3E}">
-        <p14:creationId xmlns:p14="http://schemas.microsoft.com/office/powerpoint/2010/main" val="1134037041"/>
+        <p14:creationId xmlns:p14="http://schemas.microsoft.com/office/powerpoint/2010/main" val="2742588587"/>
       </p:ext>
     </p:extLst>
   </p:cSld>
@@ -4817,16 +4674,51 @@
           <a:chExt cx="0" cy="0"/>
         </a:xfrm>
       </p:grpSpPr>
-      <p:sp>
-        <p:nvSpPr>
-          <p:cNvPr id="6" name="Text Box 5"/>
+      <p:pic>
+        <p:nvPicPr>
+          <p:cNvPr id="3" name="Picture 2">
+            <a:extLst>
+              <a:ext uri="{FF2B5EF4-FFF2-40B4-BE49-F238E27FC236}">
+                <a16:creationId xmlns:a16="http://schemas.microsoft.com/office/drawing/2014/main" id="{49518CCC-284E-55AE-2215-AE36326298E0}"/>
+              </a:ext>
+            </a:extLst>
+          </p:cNvPr>
+          <p:cNvPicPr>
+            <a:picLocks noChangeAspect="1"/>
+          </p:cNvPicPr>
+          <p:nvPr/>
+        </p:nvPicPr>
+        <p:blipFill>
+          <a:blip r:embed="rId2"/>
+          <a:srcRect l="20982" t="20968" r="22682" b="4839"/>
+          <a:stretch/>
+        </p:blipFill>
+        <p:spPr>
+          <a:xfrm>
+            <a:off x="2846439" y="1401096"/>
+            <a:ext cx="7329948" cy="5427407"/>
+          </a:xfrm>
+          <a:prstGeom prst="rect">
+            <a:avLst/>
+          </a:prstGeom>
+        </p:spPr>
+      </p:pic>
+      <p:sp>
+        <p:nvSpPr>
+          <p:cNvPr id="5" name="TextBox 4">
+            <a:extLst>
+              <a:ext uri="{FF2B5EF4-FFF2-40B4-BE49-F238E27FC236}">
+                <a16:creationId xmlns:a16="http://schemas.microsoft.com/office/drawing/2014/main" id="{41CE2A46-C826-C9E2-C190-A85E66F8BCE9}"/>
+              </a:ext>
+            </a:extLst>
+          </p:cNvPr>
           <p:cNvSpPr txBox="1"/>
           <p:nvPr/>
         </p:nvSpPr>
         <p:spPr>
           <a:xfrm>
-            <a:off x="121920" y="1143635"/>
-            <a:ext cx="7315200" cy="411480"/>
+            <a:off x="634180" y="531689"/>
+            <a:ext cx="7315200" cy="412934"/>
           </a:xfrm>
           <a:prstGeom prst="rect">
             <a:avLst/>
@@ -4834,7 +4726,7 @@
           <a:noFill/>
         </p:spPr>
         <p:txBody>
-          <a:bodyPr wrap="square" rtlCol="0" anchor="t">
+          <a:bodyPr wrap="square">
             <a:spAutoFit/>
           </a:bodyPr>
           <a:lstStyle/>
@@ -4846,32 +4738,372 @@
               <a:buNone/>
             </a:pPr>
             <a:r>
-              <a:rPr lang="en-US" sz="2000" u="sng" dirty="0">
+              <a:rPr lang="en-US" sz="2400" b="1" u="sng" dirty="0" err="1">
+                <a:solidFill>
+                  <a:srgbClr val="4A4A45"/>
+                </a:solidFill>
+                <a:latin typeface="Lato Bold" panose="020F0802020204030203" pitchFamily="34" charset="0"/>
+                <a:ea typeface="Lato Bold" panose="020F0802020204030203" pitchFamily="34" charset="-122"/>
+                <a:cs typeface="Lato Bold" panose="020F0802020204030203" pitchFamily="34" charset="-120"/>
                 <a:sym typeface="+mn-ea"/>
               </a:rPr>
-              <a:t>Accuracy obtained using the models</a:t>
-            </a:r>
-            <a:r>
-              <a:rPr lang="en-IN" altLang="en-US" sz="2000" u="sng" dirty="0">
+              <a:t>Streamlit</a:t>
+            </a:r>
+            <a:r>
+              <a:rPr lang="en-US" sz="2400" b="1" u="sng" dirty="0">
+                <a:solidFill>
+                  <a:srgbClr val="4A4A45"/>
+                </a:solidFill>
+                <a:latin typeface="Lato Bold" panose="020F0802020204030203" pitchFamily="34" charset="0"/>
+                <a:ea typeface="Lato Bold" panose="020F0802020204030203" pitchFamily="34" charset="-122"/>
+                <a:cs typeface="Lato Bold" panose="020F0802020204030203" pitchFamily="34" charset="-120"/>
                 <a:sym typeface="+mn-ea"/>
               </a:rPr>
+              <a:t> </a:t>
+            </a:r>
+            <a:r>
+              <a:rPr lang="en-US" sz="2400" b="1" u="sng" dirty="0" err="1">
+                <a:solidFill>
+                  <a:srgbClr val="4A4A45"/>
+                </a:solidFill>
+                <a:latin typeface="Lato Bold" panose="020F0802020204030203" pitchFamily="34" charset="0"/>
+                <a:ea typeface="Lato Bold" panose="020F0802020204030203" pitchFamily="34" charset="-122"/>
+                <a:cs typeface="Lato Bold" panose="020F0802020204030203" pitchFamily="34" charset="-120"/>
+                <a:sym typeface="+mn-ea"/>
+              </a:rPr>
+              <a:t>Webpp</a:t>
+            </a:r>
+            <a:r>
+              <a:rPr lang="en-US" sz="2400" b="1" u="sng" dirty="0">
+                <a:solidFill>
+                  <a:srgbClr val="4A4A45"/>
+                </a:solidFill>
+                <a:latin typeface="Lato Bold" panose="020F0802020204030203" pitchFamily="34" charset="0"/>
+                <a:ea typeface="Lato Bold" panose="020F0802020204030203" pitchFamily="34" charset="-122"/>
+                <a:cs typeface="Lato Bold" panose="020F0802020204030203" pitchFamily="34" charset="-120"/>
+                <a:sym typeface="+mn-ea"/>
+              </a:rPr>
               <a:t> :</a:t>
             </a:r>
-            <a:endParaRPr lang="en-IN" altLang="en-US" sz="2000" b="1" u="sng" dirty="0">
-              <a:solidFill>
-                <a:srgbClr val="4A4A45"/>
-              </a:solidFill>
-              <a:latin typeface="Lato Bold" panose="020F0802020204030203" pitchFamily="34" charset="0"/>
-              <a:ea typeface="Lato Bold" panose="020F0802020204030203" pitchFamily="34" charset="-122"/>
-              <a:cs typeface="Lato Bold" panose="020F0802020204030203" pitchFamily="34" charset="-120"/>
-              <a:sym typeface="+mn-ea"/>
-            </a:endParaRPr>
+          </a:p>
+        </p:txBody>
+      </p:sp>
+    </p:spTree>
+    <p:extLst>
+      <p:ext uri="{BB962C8B-B14F-4D97-AF65-F5344CB8AC3E}">
+        <p14:creationId xmlns:p14="http://schemas.microsoft.com/office/powerpoint/2010/main" val="2894711222"/>
+      </p:ext>
+    </p:extLst>
+  </p:cSld>
+  <p:clrMapOvr>
+    <a:masterClrMapping/>
+  </p:clrMapOvr>
+</p:sld>
+</file>
+
+<file path=ppt/slides/slide18.xml><?xml version="1.0" encoding="utf-8"?>
+<p:sld xmlns:a="http://schemas.openxmlformats.org/drawingml/2006/main" xmlns:r="http://schemas.openxmlformats.org/officeDocument/2006/relationships" xmlns:p="http://schemas.openxmlformats.org/presentationml/2006/main">
+  <p:cSld>
+    <p:spTree>
+      <p:nvGrpSpPr>
+        <p:cNvPr id="1" name=""/>
+        <p:cNvGrpSpPr/>
+        <p:nvPr/>
+      </p:nvGrpSpPr>
+      <p:grpSpPr>
+        <a:xfrm>
+          <a:off x="0" y="0"/>
+          <a:ext cx="0" cy="0"/>
+          <a:chOff x="0" y="0"/>
+          <a:chExt cx="0" cy="0"/>
+        </a:xfrm>
+      </p:grpSpPr>
+      <p:sp>
+        <p:nvSpPr>
+          <p:cNvPr id="6" name="Text Box 5"/>
+          <p:cNvSpPr txBox="1"/>
+          <p:nvPr/>
+        </p:nvSpPr>
+        <p:spPr>
+          <a:xfrm>
+            <a:off x="350520" y="1010920"/>
+            <a:ext cx="7315200" cy="411480"/>
+          </a:xfrm>
+          <a:prstGeom prst="rect">
+            <a:avLst/>
+          </a:prstGeom>
+          <a:noFill/>
+        </p:spPr>
+        <p:txBody>
+          <a:bodyPr wrap="square" rtlCol="0" anchor="t">
+            <a:spAutoFit/>
+          </a:bodyPr>
+          <a:lstStyle/>
+          <a:p>
+            <a:pPr marL="0" indent="0">
+              <a:lnSpc>
+                <a:spcPts val="2500"/>
+              </a:lnSpc>
+              <a:buNone/>
+            </a:pPr>
+            <a:r>
+              <a:rPr lang="en-IN" sz="2000" b="1" u="sng" dirty="0">
+                <a:solidFill>
+                  <a:srgbClr val="4A4A45"/>
+                </a:solidFill>
+                <a:latin typeface="Lato Bold" panose="020F0802020204030203" pitchFamily="34" charset="0"/>
+                <a:ea typeface="Lato Bold" panose="020F0802020204030203" pitchFamily="34" charset="-122"/>
+                <a:cs typeface="Lato Bold" panose="020F0802020204030203" pitchFamily="34" charset="-120"/>
+                <a:sym typeface="+mn-ea"/>
+              </a:rPr>
+              <a:t>D</a:t>
+            </a:r>
+            <a:r>
+              <a:rPr sz="2000" b="1" u="sng" dirty="0">
+                <a:solidFill>
+                  <a:srgbClr val="4A4A45"/>
+                </a:solidFill>
+                <a:latin typeface="Lato Bold" panose="020F0802020204030203" pitchFamily="34" charset="0"/>
+                <a:ea typeface="Lato Bold" panose="020F0802020204030203" pitchFamily="34" charset="-122"/>
+                <a:cs typeface="Lato Bold" panose="020F0802020204030203" pitchFamily="34" charset="-120"/>
+                <a:sym typeface="+mn-ea"/>
+              </a:rPr>
+              <a:t>ocker </a:t>
+            </a:r>
+            <a:r>
+              <a:rPr lang="en-IN" sz="2000" b="1" u="sng" dirty="0">
+                <a:solidFill>
+                  <a:srgbClr val="4A4A45"/>
+                </a:solidFill>
+                <a:latin typeface="Lato Bold" panose="020F0802020204030203" pitchFamily="34" charset="0"/>
+                <a:ea typeface="Lato Bold" panose="020F0802020204030203" pitchFamily="34" charset="-122"/>
+                <a:cs typeface="Lato Bold" panose="020F0802020204030203" pitchFamily="34" charset="-120"/>
+                <a:sym typeface="+mn-ea"/>
+              </a:rPr>
+              <a:t>H</a:t>
+            </a:r>
+            <a:r>
+              <a:rPr sz="2000" b="1" u="sng" dirty="0">
+                <a:solidFill>
+                  <a:srgbClr val="4A4A45"/>
+                </a:solidFill>
+                <a:latin typeface="Lato Bold" panose="020F0802020204030203" pitchFamily="34" charset="0"/>
+                <a:ea typeface="Lato Bold" panose="020F0802020204030203" pitchFamily="34" charset="-122"/>
+                <a:cs typeface="Lato Bold" panose="020F0802020204030203" pitchFamily="34" charset="-120"/>
+                <a:sym typeface="+mn-ea"/>
+              </a:rPr>
+              <a:t>ub </a:t>
+            </a:r>
+            <a:r>
+              <a:rPr lang="en-IN" sz="2000" b="1" u="sng" dirty="0">
+                <a:solidFill>
+                  <a:srgbClr val="4A4A45"/>
+                </a:solidFill>
+                <a:latin typeface="Lato Bold" panose="020F0802020204030203" pitchFamily="34" charset="0"/>
+                <a:ea typeface="Lato Bold" panose="020F0802020204030203" pitchFamily="34" charset="-122"/>
+                <a:cs typeface="Lato Bold" panose="020F0802020204030203" pitchFamily="34" charset="-120"/>
+                <a:sym typeface="+mn-ea"/>
+              </a:rPr>
+              <a:t>I</a:t>
+            </a:r>
+            <a:r>
+              <a:rPr sz="2000" b="1" u="sng" dirty="0">
+                <a:solidFill>
+                  <a:srgbClr val="4A4A45"/>
+                </a:solidFill>
+                <a:latin typeface="Lato Bold" panose="020F0802020204030203" pitchFamily="34" charset="0"/>
+                <a:ea typeface="Lato Bold" panose="020F0802020204030203" pitchFamily="34" charset="-122"/>
+                <a:cs typeface="Lato Bold" panose="020F0802020204030203" pitchFamily="34" charset="-120"/>
+                <a:sym typeface="+mn-ea"/>
+              </a:rPr>
+              <a:t>mage</a:t>
+            </a:r>
           </a:p>
         </p:txBody>
       </p:sp>
       <p:pic>
         <p:nvPicPr>
-          <p:cNvPr id="3" name="Picture 2"/>
+          <p:cNvPr id="4" name="Picture 3" descr="docker hub image"/>
+          <p:cNvPicPr>
+            <a:picLocks noChangeAspect="1"/>
+          </p:cNvPicPr>
+          <p:nvPr/>
+        </p:nvPicPr>
+        <p:blipFill>
+          <a:blip r:embed="rId3"/>
+          <a:srcRect r="40958"/>
+          <a:stretch/>
+        </p:blipFill>
+        <p:spPr>
+          <a:xfrm>
+            <a:off x="149020" y="1781175"/>
+            <a:ext cx="6463235" cy="5258343"/>
+          </a:xfrm>
+          <a:prstGeom prst="rect">
+            <a:avLst/>
+          </a:prstGeom>
+        </p:spPr>
+      </p:pic>
+      <p:pic>
+        <p:nvPicPr>
+          <p:cNvPr id="8" name="Picture 7">
+            <a:extLst>
+              <a:ext uri="{FF2B5EF4-FFF2-40B4-BE49-F238E27FC236}">
+                <a16:creationId xmlns:a16="http://schemas.microsoft.com/office/drawing/2014/main" id="{E87892D1-1CC2-215A-00F6-97C23010D0FF}"/>
+              </a:ext>
+            </a:extLst>
+          </p:cNvPr>
+          <p:cNvPicPr>
+            <a:picLocks noChangeAspect="1"/>
+          </p:cNvPicPr>
+          <p:nvPr/>
+        </p:nvPicPr>
+        <p:blipFill>
+          <a:blip r:embed="rId4"/>
+          <a:srcRect t="21371" r="42632" b="5115"/>
+          <a:stretch/>
+        </p:blipFill>
+        <p:spPr>
+          <a:xfrm>
+            <a:off x="7033444" y="1781175"/>
+            <a:ext cx="7315200" cy="5258343"/>
+          </a:xfrm>
+          <a:prstGeom prst="rect">
+            <a:avLst/>
+          </a:prstGeom>
+        </p:spPr>
+      </p:pic>
+    </p:spTree>
+  </p:cSld>
+  <p:clrMapOvr>
+    <a:masterClrMapping/>
+  </p:clrMapOvr>
+</p:sld>
+</file>
+
+<file path=ppt/slides/slide19.xml><?xml version="1.0" encoding="utf-8"?>
+<p:sld xmlns:a="http://schemas.openxmlformats.org/drawingml/2006/main" xmlns:r="http://schemas.openxmlformats.org/officeDocument/2006/relationships" xmlns:p="http://schemas.openxmlformats.org/presentationml/2006/main">
+  <p:cSld>
+    <p:spTree>
+      <p:nvGrpSpPr>
+        <p:cNvPr id="1" name=""/>
+        <p:cNvGrpSpPr/>
+        <p:nvPr/>
+      </p:nvGrpSpPr>
+      <p:grpSpPr>
+        <a:xfrm>
+          <a:off x="0" y="0"/>
+          <a:ext cx="0" cy="0"/>
+          <a:chOff x="0" y="0"/>
+          <a:chExt cx="0" cy="0"/>
+        </a:xfrm>
+      </p:grpSpPr>
+      <p:sp>
+        <p:nvSpPr>
+          <p:cNvPr id="6" name="Text Box 5"/>
+          <p:cNvSpPr txBox="1"/>
+          <p:nvPr/>
+        </p:nvSpPr>
+        <p:spPr>
+          <a:xfrm>
+            <a:off x="350520" y="1010920"/>
+            <a:ext cx="7315200" cy="411480"/>
+          </a:xfrm>
+          <a:prstGeom prst="rect">
+            <a:avLst/>
+          </a:prstGeom>
+          <a:noFill/>
+        </p:spPr>
+        <p:txBody>
+          <a:bodyPr wrap="square" rtlCol="0" anchor="t">
+            <a:spAutoFit/>
+          </a:bodyPr>
+          <a:lstStyle/>
+          <a:p>
+            <a:pPr marL="0" indent="0">
+              <a:lnSpc>
+                <a:spcPts val="2500"/>
+              </a:lnSpc>
+              <a:buNone/>
+            </a:pPr>
+            <a:r>
+              <a:rPr lang="en-IN" sz="2000" b="1" u="sng" dirty="0">
+                <a:solidFill>
+                  <a:srgbClr val="4A4A45"/>
+                </a:solidFill>
+                <a:latin typeface="Lato Bold" panose="020F0802020204030203" pitchFamily="34" charset="0"/>
+                <a:ea typeface="Lato Bold" panose="020F0802020204030203" pitchFamily="34" charset="-122"/>
+                <a:cs typeface="Lato Bold" panose="020F0802020204030203" pitchFamily="34" charset="-120"/>
+                <a:sym typeface="+mn-ea"/>
+              </a:rPr>
+              <a:t>D</a:t>
+            </a:r>
+            <a:r>
+              <a:rPr sz="2000" b="1" u="sng" dirty="0">
+                <a:solidFill>
+                  <a:srgbClr val="4A4A45"/>
+                </a:solidFill>
+                <a:latin typeface="Lato Bold" panose="020F0802020204030203" pitchFamily="34" charset="0"/>
+                <a:ea typeface="Lato Bold" panose="020F0802020204030203" pitchFamily="34" charset="-122"/>
+                <a:cs typeface="Lato Bold" panose="020F0802020204030203" pitchFamily="34" charset="-120"/>
+                <a:sym typeface="+mn-ea"/>
+              </a:rPr>
+              <a:t>ocker </a:t>
+            </a:r>
+            <a:r>
+              <a:rPr lang="en-IN" sz="2000" b="1" u="sng" dirty="0">
+                <a:solidFill>
+                  <a:srgbClr val="4A4A45"/>
+                </a:solidFill>
+                <a:latin typeface="Lato Bold" panose="020F0802020204030203" pitchFamily="34" charset="0"/>
+                <a:ea typeface="Lato Bold" panose="020F0802020204030203" pitchFamily="34" charset="-122"/>
+                <a:cs typeface="Lato Bold" panose="020F0802020204030203" pitchFamily="34" charset="-120"/>
+                <a:sym typeface="+mn-ea"/>
+              </a:rPr>
+              <a:t>C</a:t>
+            </a:r>
+            <a:r>
+              <a:rPr sz="2000" b="1" u="sng" dirty="0">
+                <a:solidFill>
+                  <a:srgbClr val="4A4A45"/>
+                </a:solidFill>
+                <a:latin typeface="Lato Bold" panose="020F0802020204030203" pitchFamily="34" charset="0"/>
+                <a:ea typeface="Lato Bold" panose="020F0802020204030203" pitchFamily="34" charset="-122"/>
+                <a:cs typeface="Lato Bold" panose="020F0802020204030203" pitchFamily="34" charset="-120"/>
+                <a:sym typeface="+mn-ea"/>
+              </a:rPr>
+              <a:t>ontainers</a:t>
+            </a:r>
+            <a:r>
+              <a:rPr lang="en-IN" sz="2000" b="1" u="sng" dirty="0">
+                <a:solidFill>
+                  <a:srgbClr val="4A4A45"/>
+                </a:solidFill>
+                <a:latin typeface="Lato Bold" panose="020F0802020204030203" pitchFamily="34" charset="0"/>
+                <a:ea typeface="Lato Bold" panose="020F0802020204030203" pitchFamily="34" charset="-122"/>
+                <a:cs typeface="Lato Bold" panose="020F0802020204030203" pitchFamily="34" charset="-120"/>
+                <a:sym typeface="+mn-ea"/>
+              </a:rPr>
+              <a:t> Running</a:t>
+            </a:r>
+            <a:r>
+              <a:rPr sz="2000" b="1" u="sng" dirty="0">
+                <a:solidFill>
+                  <a:srgbClr val="4A4A45"/>
+                </a:solidFill>
+                <a:latin typeface="Lato Bold" panose="020F0802020204030203" pitchFamily="34" charset="0"/>
+                <a:ea typeface="Lato Bold" panose="020F0802020204030203" pitchFamily="34" charset="-122"/>
+                <a:cs typeface="Lato Bold" panose="020F0802020204030203" pitchFamily="34" charset="-120"/>
+                <a:sym typeface="+mn-ea"/>
+              </a:rPr>
+              <a:t> (mysql and jupyter) - in GUI</a:t>
+            </a:r>
+          </a:p>
+        </p:txBody>
+      </p:sp>
+      <p:pic>
+        <p:nvPicPr>
+          <p:cNvPr id="3" name="Picture 2" descr="docker running containers (mysql and jupyter) - in GUI"/>
           <p:cNvPicPr>
             <a:picLocks noChangeAspect="1"/>
           </p:cNvPicPr>
@@ -4885,8 +5117,8 @@
         </p:blipFill>
         <p:spPr>
           <a:xfrm>
-            <a:off x="2373630" y="1847850"/>
-            <a:ext cx="9883140" cy="4533900"/>
+            <a:off x="209550" y="1422400"/>
+            <a:ext cx="14210665" cy="6628130"/>
           </a:xfrm>
           <a:prstGeom prst="rect">
             <a:avLst/>
@@ -5164,6 +5396,239 @@
           </a:p>
         </p:txBody>
       </p:sp>
+    </p:spTree>
+  </p:cSld>
+  <p:clrMapOvr>
+    <a:masterClrMapping/>
+  </p:clrMapOvr>
+</p:sld>
+</file>
+
+<file path=ppt/slides/slide20.xml><?xml version="1.0" encoding="utf-8"?>
+<p:sld xmlns:a="http://schemas.openxmlformats.org/drawingml/2006/main" xmlns:r="http://schemas.openxmlformats.org/officeDocument/2006/relationships" xmlns:p="http://schemas.openxmlformats.org/presentationml/2006/main">
+  <p:cSld>
+    <p:spTree>
+      <p:nvGrpSpPr>
+        <p:cNvPr id="1" name=""/>
+        <p:cNvGrpSpPr/>
+        <p:nvPr/>
+      </p:nvGrpSpPr>
+      <p:grpSpPr>
+        <a:xfrm>
+          <a:off x="0" y="0"/>
+          <a:ext cx="0" cy="0"/>
+          <a:chOff x="0" y="0"/>
+          <a:chExt cx="0" cy="0"/>
+        </a:xfrm>
+      </p:grpSpPr>
+      <p:sp>
+        <p:nvSpPr>
+          <p:cNvPr id="3" name="TextBox 2">
+            <a:extLst>
+              <a:ext uri="{FF2B5EF4-FFF2-40B4-BE49-F238E27FC236}">
+                <a16:creationId xmlns:a16="http://schemas.microsoft.com/office/drawing/2014/main" id="{60E7647D-E6C2-E497-78B5-9A20901642C6}"/>
+              </a:ext>
+            </a:extLst>
+          </p:cNvPr>
+          <p:cNvSpPr txBox="1"/>
+          <p:nvPr/>
+        </p:nvSpPr>
+        <p:spPr>
+          <a:xfrm>
+            <a:off x="604683" y="752915"/>
+            <a:ext cx="7315200" cy="381964"/>
+          </a:xfrm>
+          <a:prstGeom prst="rect">
+            <a:avLst/>
+          </a:prstGeom>
+          <a:noFill/>
+        </p:spPr>
+        <p:txBody>
+          <a:bodyPr wrap="square">
+            <a:spAutoFit/>
+          </a:bodyPr>
+          <a:lstStyle/>
+          <a:p>
+            <a:pPr marL="0" indent="0">
+              <a:lnSpc>
+                <a:spcPts val="2500"/>
+              </a:lnSpc>
+              <a:buNone/>
+            </a:pPr>
+            <a:r>
+              <a:rPr lang="en-US" sz="1800" b="1" u="sng" dirty="0">
+                <a:solidFill>
+                  <a:srgbClr val="4A4A45"/>
+                </a:solidFill>
+                <a:latin typeface="Lato Bold" panose="020F0802020204030203" pitchFamily="34" charset="0"/>
+                <a:ea typeface="Lato Bold" panose="020F0802020204030203" pitchFamily="34" charset="-122"/>
+                <a:cs typeface="Lato Bold" panose="020F0802020204030203" pitchFamily="34" charset="-120"/>
+                <a:sym typeface="+mn-ea"/>
+              </a:rPr>
+              <a:t>Docker Containers Running (</a:t>
+            </a:r>
+            <a:r>
+              <a:rPr lang="en-US" sz="1800" b="1" u="sng" dirty="0" err="1">
+                <a:solidFill>
+                  <a:srgbClr val="4A4A45"/>
+                </a:solidFill>
+                <a:latin typeface="Lato Bold" panose="020F0802020204030203" pitchFamily="34" charset="0"/>
+                <a:ea typeface="Lato Bold" panose="020F0802020204030203" pitchFamily="34" charset="-122"/>
+                <a:cs typeface="Lato Bold" panose="020F0802020204030203" pitchFamily="34" charset="-120"/>
+                <a:sym typeface="+mn-ea"/>
+              </a:rPr>
+              <a:t>Streamlit</a:t>
+            </a:r>
+            <a:r>
+              <a:rPr lang="en-US" sz="1800" b="1" u="sng" dirty="0">
+                <a:solidFill>
+                  <a:srgbClr val="4A4A45"/>
+                </a:solidFill>
+                <a:latin typeface="Lato Bold" panose="020F0802020204030203" pitchFamily="34" charset="0"/>
+                <a:ea typeface="Lato Bold" panose="020F0802020204030203" pitchFamily="34" charset="-122"/>
+                <a:cs typeface="Lato Bold" panose="020F0802020204030203" pitchFamily="34" charset="-120"/>
+                <a:sym typeface="+mn-ea"/>
+              </a:rPr>
+              <a:t> WebApp) - in GUI</a:t>
+            </a:r>
+          </a:p>
+        </p:txBody>
+      </p:sp>
+      <p:pic>
+        <p:nvPicPr>
+          <p:cNvPr id="7" name="Picture 6">
+            <a:extLst>
+              <a:ext uri="{FF2B5EF4-FFF2-40B4-BE49-F238E27FC236}">
+                <a16:creationId xmlns:a16="http://schemas.microsoft.com/office/drawing/2014/main" id="{15D59334-EE8E-D776-3C7F-8C8924155929}"/>
+              </a:ext>
+            </a:extLst>
+          </p:cNvPr>
+          <p:cNvPicPr>
+            <a:picLocks noChangeAspect="1"/>
+          </p:cNvPicPr>
+          <p:nvPr/>
+        </p:nvPicPr>
+        <p:blipFill>
+          <a:blip r:embed="rId2"/>
+          <a:srcRect l="3866" t="4033" r="4206" b="4042"/>
+          <a:stretch/>
+        </p:blipFill>
+        <p:spPr>
+          <a:xfrm>
+            <a:off x="1032386" y="1371600"/>
+            <a:ext cx="11960943" cy="6724517"/>
+          </a:xfrm>
+          <a:prstGeom prst="rect">
+            <a:avLst/>
+          </a:prstGeom>
+        </p:spPr>
+      </p:pic>
+    </p:spTree>
+    <p:extLst>
+      <p:ext uri="{BB962C8B-B14F-4D97-AF65-F5344CB8AC3E}">
+        <p14:creationId xmlns:p14="http://schemas.microsoft.com/office/powerpoint/2010/main" val="1134037041"/>
+      </p:ext>
+    </p:extLst>
+  </p:cSld>
+  <p:clrMapOvr>
+    <a:masterClrMapping/>
+  </p:clrMapOvr>
+</p:sld>
+</file>
+
+<file path=ppt/slides/slide21.xml><?xml version="1.0" encoding="utf-8"?>
+<p:sld xmlns:a="http://schemas.openxmlformats.org/drawingml/2006/main" xmlns:r="http://schemas.openxmlformats.org/officeDocument/2006/relationships" xmlns:p="http://schemas.openxmlformats.org/presentationml/2006/main">
+  <p:cSld>
+    <p:spTree>
+      <p:nvGrpSpPr>
+        <p:cNvPr id="1" name=""/>
+        <p:cNvGrpSpPr/>
+        <p:nvPr/>
+      </p:nvGrpSpPr>
+      <p:grpSpPr>
+        <a:xfrm>
+          <a:off x="0" y="0"/>
+          <a:ext cx="0" cy="0"/>
+          <a:chOff x="0" y="0"/>
+          <a:chExt cx="0" cy="0"/>
+        </a:xfrm>
+      </p:grpSpPr>
+      <p:sp>
+        <p:nvSpPr>
+          <p:cNvPr id="6" name="Text Box 5"/>
+          <p:cNvSpPr txBox="1"/>
+          <p:nvPr/>
+        </p:nvSpPr>
+        <p:spPr>
+          <a:xfrm>
+            <a:off x="121920" y="1143635"/>
+            <a:ext cx="7315200" cy="411480"/>
+          </a:xfrm>
+          <a:prstGeom prst="rect">
+            <a:avLst/>
+          </a:prstGeom>
+          <a:noFill/>
+        </p:spPr>
+        <p:txBody>
+          <a:bodyPr wrap="square" rtlCol="0" anchor="t">
+            <a:spAutoFit/>
+          </a:bodyPr>
+          <a:lstStyle/>
+          <a:p>
+            <a:pPr marL="0" indent="0">
+              <a:lnSpc>
+                <a:spcPts val="2500"/>
+              </a:lnSpc>
+              <a:buNone/>
+            </a:pPr>
+            <a:r>
+              <a:rPr lang="en-US" sz="2000" u="sng" dirty="0">
+                <a:sym typeface="+mn-ea"/>
+              </a:rPr>
+              <a:t>Accuracy obtained using the models</a:t>
+            </a:r>
+            <a:r>
+              <a:rPr lang="en-IN" altLang="en-US" sz="2000" u="sng" dirty="0">
+                <a:sym typeface="+mn-ea"/>
+              </a:rPr>
+              <a:t> :</a:t>
+            </a:r>
+            <a:endParaRPr lang="en-IN" altLang="en-US" sz="2000" b="1" u="sng" dirty="0">
+              <a:solidFill>
+                <a:srgbClr val="4A4A45"/>
+              </a:solidFill>
+              <a:latin typeface="Lato Bold" panose="020F0802020204030203" pitchFamily="34" charset="0"/>
+              <a:ea typeface="Lato Bold" panose="020F0802020204030203" pitchFamily="34" charset="-122"/>
+              <a:cs typeface="Lato Bold" panose="020F0802020204030203" pitchFamily="34" charset="-120"/>
+              <a:sym typeface="+mn-ea"/>
+            </a:endParaRPr>
+          </a:p>
+        </p:txBody>
+      </p:sp>
+      <p:pic>
+        <p:nvPicPr>
+          <p:cNvPr id="3" name="Picture 2"/>
+          <p:cNvPicPr>
+            <a:picLocks noChangeAspect="1"/>
+          </p:cNvPicPr>
+          <p:nvPr/>
+        </p:nvPicPr>
+        <p:blipFill>
+          <a:blip r:embed="rId3"/>
+          <a:stretch>
+            <a:fillRect/>
+          </a:stretch>
+        </p:blipFill>
+        <p:spPr>
+          <a:xfrm>
+            <a:off x="2373630" y="1847850"/>
+            <a:ext cx="9883140" cy="4533900"/>
+          </a:xfrm>
+          <a:prstGeom prst="rect">
+            <a:avLst/>
+          </a:prstGeom>
+        </p:spPr>
+      </p:pic>
     </p:spTree>
   </p:cSld>
   <p:clrMapOvr>
@@ -8716,7 +9181,7 @@
                 <a:ea typeface="Lato" panose="020F0502020204030203" pitchFamily="34" charset="-122"/>
                 <a:cs typeface="Lato" panose="020F0502020204030203" pitchFamily="34" charset="-120"/>
               </a:rPr>
-              <a:t>EDA and Conducted basic analysis of the dataset and implemented undersampling techniques to address class imbalance. Also explored oversampling methods.</a:t>
+              <a:t>EDA and Conducted basic analysis of the dataset.</a:t>
             </a:r>
             <a:endParaRPr lang="en-US" sz="1600" dirty="0"/>
           </a:p>
@@ -8873,7 +9338,7 @@
         </p:blipFill>
         <p:spPr>
           <a:xfrm>
-            <a:off x="0" y="0"/>
+            <a:off x="0" y="-21772"/>
             <a:ext cx="5486400" cy="8229600"/>
           </a:xfrm>
           <a:prstGeom prst="rect">
